--- a/TA7/TA7.pptx
+++ b/TA7/TA7.pptx
@@ -39,8 +39,14 @@
     <p:sldId id="407" r:id="rId33"/>
     <p:sldId id="408" r:id="rId34"/>
     <p:sldId id="409" r:id="rId35"/>
-    <p:sldId id="383" r:id="rId36"/>
-    <p:sldId id="366" r:id="rId37"/>
+    <p:sldId id="410" r:id="rId36"/>
+    <p:sldId id="411" r:id="rId37"/>
+    <p:sldId id="412" r:id="rId38"/>
+    <p:sldId id="413" r:id="rId39"/>
+    <p:sldId id="414" r:id="rId40"/>
+    <p:sldId id="415" r:id="rId41"/>
+    <p:sldId id="383" r:id="rId42"/>
+    <p:sldId id="366" r:id="rId43"/>
   </p:sldIdLst>
   <p:sldSz cx="12192000" cy="6858000"/>
   <p:notesSz cx="12192000" cy="6858000"/>
@@ -376,7 +382,7 @@
           <a:p>
             <a:fld id="{1D8BD707-D9CF-40AE-B4C6-C98DA3205C09}" type="datetimeFigureOut">
               <a:rPr lang="en-US" smtClean="0"/>
-              <a:t>12/4/2022</a:t>
+              <a:t>12/5/2022</a:t>
             </a:fld>
             <a:endParaRPr lang="en-US"/>
           </a:p>
@@ -580,7 +586,7 @@
           <a:p>
             <a:fld id="{1D8BD707-D9CF-40AE-B4C6-C98DA3205C09}" type="datetimeFigureOut">
               <a:rPr lang="en-US" smtClean="0"/>
-              <a:t>12/4/2022</a:t>
+              <a:t>12/5/2022</a:t>
             </a:fld>
             <a:endParaRPr lang="en-US"/>
           </a:p>
@@ -789,7 +795,7 @@
           <a:p>
             <a:fld id="{1D8BD707-D9CF-40AE-B4C6-C98DA3205C09}" type="datetimeFigureOut">
               <a:rPr lang="en-US"/>
-              <a:t>12/4/2022</a:t>
+              <a:t>12/5/2022</a:t>
             </a:fld>
             <a:endParaRPr lang="en-US"/>
           </a:p>
@@ -993,7 +999,7 @@
           <a:p>
             <a:fld id="{1D8BD707-D9CF-40AE-B4C6-C98DA3205C09}" type="datetimeFigureOut">
               <a:rPr lang="en-US" smtClean="0"/>
-              <a:t>12/4/2022</a:t>
+              <a:t>12/5/2022</a:t>
             </a:fld>
             <a:endParaRPr lang="en-US"/>
           </a:p>
@@ -9860,1088 +9866,50 @@
           <a:chExt cx="0" cy="0"/>
         </a:xfrm>
       </p:grpSpPr>
-      <p:sp>
-        <p:nvSpPr>
-          <p:cNvPr id="2" name="object 2"/>
-          <p:cNvSpPr txBox="1"/>
-          <p:nvPr/>
-        </p:nvSpPr>
-        <p:spPr>
-          <a:xfrm>
-            <a:off x="2895600" y="184666"/>
-            <a:ext cx="10210800" cy="382156"/>
-          </a:xfrm>
-          <a:prstGeom prst="rect">
-            <a:avLst/>
-          </a:prstGeom>
-        </p:spPr>
-        <p:txBody>
-          <a:bodyPr vert="horz" wrap="square" lIns="0" tIns="12700" rIns="0" bIns="0" rtlCol="0">
-            <a:spAutoFit/>
-          </a:bodyPr>
-          <a:lstStyle/>
-          <a:p>
-            <a:pPr marL="12700">
-              <a:lnSpc>
-                <a:spcPct val="100000"/>
-              </a:lnSpc>
-              <a:spcBef>
-                <a:spcPts val="100"/>
-              </a:spcBef>
-            </a:pPr>
-            <a:r>
-              <a:rPr lang="fr-FR" sz="2400" dirty="0">
-                <a:solidFill>
-                  <a:schemeClr val="accent1">
-                    <a:lumMod val="75000"/>
-                  </a:schemeClr>
-                </a:solidFill>
-                <a:latin typeface="Trebuchet MS"/>
-                <a:cs typeface="Trebuchet MS"/>
-              </a:rPr>
-              <a:t>Java Concurrency Utilities - java.util.concurrent</a:t>
-            </a:r>
-            <a:endParaRPr lang="en-US" sz="2400" dirty="0">
-              <a:solidFill>
-                <a:schemeClr val="accent1">
-                  <a:lumMod val="75000"/>
-                </a:schemeClr>
-              </a:solidFill>
-              <a:latin typeface="Trebuchet MS"/>
-              <a:cs typeface="Trebuchet MS"/>
-            </a:endParaRPr>
-          </a:p>
-        </p:txBody>
-      </p:sp>
-      <p:sp>
-        <p:nvSpPr>
-          <p:cNvPr id="6" name="object 3">
-            <a:extLst>
-              <a:ext uri="{FF2B5EF4-FFF2-40B4-BE49-F238E27FC236}">
-                <a16:creationId xmlns:a16="http://schemas.microsoft.com/office/drawing/2014/main" id="{504C54EB-F689-45AF-9B50-A537385B0172}"/>
-              </a:ext>
-            </a:extLst>
-          </p:cNvPr>
-          <p:cNvSpPr txBox="1"/>
-          <p:nvPr/>
-        </p:nvSpPr>
-        <p:spPr>
-          <a:xfrm>
-            <a:off x="2895600" y="620104"/>
-            <a:ext cx="8561705" cy="5552802"/>
-          </a:xfrm>
-          <a:prstGeom prst="rect">
-            <a:avLst/>
-          </a:prstGeom>
-        </p:spPr>
-        <p:txBody>
-          <a:bodyPr vert="horz" wrap="square" lIns="0" tIns="12700" rIns="0" bIns="0" rtlCol="0">
-            <a:spAutoFit/>
-          </a:bodyPr>
-          <a:lstStyle/>
-          <a:p>
-            <a:pPr algn="l" fontAlgn="base"/>
-            <a:r>
-              <a:rPr lang="en-US" sz="1400" b="1" i="0" dirty="0">
-                <a:effectLst/>
-                <a:latin typeface="var(--font-din)"/>
-              </a:rPr>
-              <a:t>Java 5 added a new Java package to the Java platform, the </a:t>
-            </a:r>
-            <a:r>
-              <a:rPr lang="en-US" sz="1400" b="1" i="0" dirty="0" err="1">
-                <a:effectLst/>
-                <a:latin typeface="var(--font-din)"/>
-              </a:rPr>
-              <a:t>java.util.concurrent</a:t>
-            </a:r>
-            <a:r>
-              <a:rPr lang="en-US" sz="1400" b="1" i="0" dirty="0">
-                <a:effectLst/>
-                <a:latin typeface="var(--font-din)"/>
-              </a:rPr>
-              <a:t> package. This package contains a set of classes that makes it easier to develop concurrent (multithreaded) applications in Java. Before this package was added, you would have to program your utility classes yourself.</a:t>
-            </a:r>
-          </a:p>
-          <a:p>
-            <a:pPr algn="l" fontAlgn="base"/>
-            <a:endParaRPr lang="en-US" sz="1400" b="1" dirty="0">
-              <a:latin typeface="var(--font-din)"/>
-            </a:endParaRPr>
-          </a:p>
-          <a:p>
-            <a:pPr algn="l">
-              <a:buFont typeface="Arial" panose="020B0604020202020204" pitchFamily="34" charset="0"/>
-              <a:buChar char="•"/>
-            </a:pPr>
-            <a:r>
-              <a:rPr lang="en-US" sz="1000" b="1" i="0" u="none" strike="noStrike" dirty="0">
-                <a:solidFill>
-                  <a:srgbClr val="333399"/>
-                </a:solidFill>
-                <a:effectLst/>
-                <a:latin typeface="arial" panose="020B0604020202020204" pitchFamily="34" charset="0"/>
-                <a:hlinkClick r:id="rId2"/>
-              </a:rPr>
-              <a:t>Java </a:t>
-            </a:r>
-            <a:r>
-              <a:rPr lang="en-US" sz="1000" b="1" i="0" u="none" strike="noStrike" dirty="0" err="1">
-                <a:solidFill>
-                  <a:srgbClr val="333399"/>
-                </a:solidFill>
-                <a:effectLst/>
-                <a:latin typeface="arial" panose="020B0604020202020204" pitchFamily="34" charset="0"/>
-                <a:hlinkClick r:id="rId2"/>
-              </a:rPr>
-              <a:t>BlockingQueue</a:t>
-            </a:r>
-            <a:endParaRPr lang="en-US" sz="1000" b="0" i="0" dirty="0">
-              <a:solidFill>
-                <a:srgbClr val="000000"/>
-              </a:solidFill>
-              <a:effectLst/>
-              <a:latin typeface="arial" panose="020B0604020202020204" pitchFamily="34" charset="0"/>
-            </a:endParaRPr>
-          </a:p>
-          <a:p>
-            <a:pPr algn="l">
-              <a:buFont typeface="Arial" panose="020B0604020202020204" pitchFamily="34" charset="0"/>
-              <a:buChar char="•"/>
-            </a:pPr>
-            <a:r>
-              <a:rPr lang="en-US" sz="1000" b="1" i="0" u="none" strike="noStrike" dirty="0">
-                <a:solidFill>
-                  <a:srgbClr val="333399"/>
-                </a:solidFill>
-                <a:effectLst/>
-                <a:latin typeface="arial" panose="020B0604020202020204" pitchFamily="34" charset="0"/>
-                <a:hlinkClick r:id="rId3"/>
-              </a:rPr>
-              <a:t>Java </a:t>
-            </a:r>
-            <a:r>
-              <a:rPr lang="en-US" sz="1000" b="1" i="0" u="none" strike="noStrike" dirty="0" err="1">
-                <a:solidFill>
-                  <a:srgbClr val="333399"/>
-                </a:solidFill>
-                <a:effectLst/>
-                <a:latin typeface="arial" panose="020B0604020202020204" pitchFamily="34" charset="0"/>
-                <a:hlinkClick r:id="rId3"/>
-              </a:rPr>
-              <a:t>ArrayBlockingQueue</a:t>
-            </a:r>
-            <a:endParaRPr lang="en-US" sz="1000" b="0" i="0" dirty="0">
-              <a:solidFill>
-                <a:srgbClr val="000000"/>
-              </a:solidFill>
-              <a:effectLst/>
-              <a:latin typeface="arial" panose="020B0604020202020204" pitchFamily="34" charset="0"/>
-            </a:endParaRPr>
-          </a:p>
-          <a:p>
-            <a:pPr algn="l">
-              <a:buFont typeface="Arial" panose="020B0604020202020204" pitchFamily="34" charset="0"/>
-              <a:buChar char="•"/>
-            </a:pPr>
-            <a:r>
-              <a:rPr lang="en-US" sz="1000" b="1" i="0" u="none" strike="noStrike" dirty="0">
-                <a:solidFill>
-                  <a:srgbClr val="333399"/>
-                </a:solidFill>
-                <a:effectLst/>
-                <a:latin typeface="arial" panose="020B0604020202020204" pitchFamily="34" charset="0"/>
-                <a:hlinkClick r:id="rId4"/>
-              </a:rPr>
-              <a:t>Java </a:t>
-            </a:r>
-            <a:r>
-              <a:rPr lang="en-US" sz="1000" b="1" i="0" u="none" strike="noStrike" dirty="0" err="1">
-                <a:solidFill>
-                  <a:srgbClr val="333399"/>
-                </a:solidFill>
-                <a:effectLst/>
-                <a:latin typeface="arial" panose="020B0604020202020204" pitchFamily="34" charset="0"/>
-                <a:hlinkClick r:id="rId4"/>
-              </a:rPr>
-              <a:t>DelayQueue</a:t>
-            </a:r>
-            <a:endParaRPr lang="en-US" sz="1000" b="0" i="0" dirty="0">
-              <a:solidFill>
-                <a:srgbClr val="000000"/>
-              </a:solidFill>
-              <a:effectLst/>
-              <a:latin typeface="arial" panose="020B0604020202020204" pitchFamily="34" charset="0"/>
-            </a:endParaRPr>
-          </a:p>
-          <a:p>
-            <a:pPr algn="l">
-              <a:buFont typeface="Arial" panose="020B0604020202020204" pitchFamily="34" charset="0"/>
-              <a:buChar char="•"/>
-            </a:pPr>
-            <a:r>
-              <a:rPr lang="en-US" sz="1000" b="1" i="0" u="none" strike="noStrike" dirty="0">
-                <a:solidFill>
-                  <a:srgbClr val="333399"/>
-                </a:solidFill>
-                <a:effectLst/>
-                <a:latin typeface="arial" panose="020B0604020202020204" pitchFamily="34" charset="0"/>
-                <a:hlinkClick r:id="rId5"/>
-              </a:rPr>
-              <a:t>Java </a:t>
-            </a:r>
-            <a:r>
-              <a:rPr lang="en-US" sz="1000" b="1" i="0" u="none" strike="noStrike" dirty="0" err="1">
-                <a:solidFill>
-                  <a:srgbClr val="333399"/>
-                </a:solidFill>
-                <a:effectLst/>
-                <a:latin typeface="arial" panose="020B0604020202020204" pitchFamily="34" charset="0"/>
-                <a:hlinkClick r:id="rId5"/>
-              </a:rPr>
-              <a:t>LinkedBlockingQueue</a:t>
-            </a:r>
-            <a:endParaRPr lang="en-US" sz="1000" b="0" i="0" dirty="0">
-              <a:solidFill>
-                <a:srgbClr val="000000"/>
-              </a:solidFill>
-              <a:effectLst/>
-              <a:latin typeface="arial" panose="020B0604020202020204" pitchFamily="34" charset="0"/>
-            </a:endParaRPr>
-          </a:p>
-          <a:p>
-            <a:pPr algn="l">
-              <a:buFont typeface="Arial" panose="020B0604020202020204" pitchFamily="34" charset="0"/>
-              <a:buChar char="•"/>
-            </a:pPr>
-            <a:r>
-              <a:rPr lang="en-US" sz="1000" b="1" i="0" u="none" strike="noStrike" dirty="0">
-                <a:solidFill>
-                  <a:srgbClr val="333399"/>
-                </a:solidFill>
-                <a:effectLst/>
-                <a:latin typeface="arial" panose="020B0604020202020204" pitchFamily="34" charset="0"/>
-                <a:hlinkClick r:id="rId6"/>
-              </a:rPr>
-              <a:t>Java </a:t>
-            </a:r>
-            <a:r>
-              <a:rPr lang="en-US" sz="1000" b="1" i="0" u="none" strike="noStrike" dirty="0" err="1">
-                <a:solidFill>
-                  <a:srgbClr val="333399"/>
-                </a:solidFill>
-                <a:effectLst/>
-                <a:latin typeface="arial" panose="020B0604020202020204" pitchFamily="34" charset="0"/>
-                <a:hlinkClick r:id="rId6"/>
-              </a:rPr>
-              <a:t>PriorityBlockingQueue</a:t>
-            </a:r>
-            <a:endParaRPr lang="en-US" sz="1000" b="0" i="0" dirty="0">
-              <a:solidFill>
-                <a:srgbClr val="000000"/>
-              </a:solidFill>
-              <a:effectLst/>
-              <a:latin typeface="arial" panose="020B0604020202020204" pitchFamily="34" charset="0"/>
-            </a:endParaRPr>
-          </a:p>
-          <a:p>
-            <a:pPr algn="l">
-              <a:buFont typeface="Arial" panose="020B0604020202020204" pitchFamily="34" charset="0"/>
-              <a:buChar char="•"/>
-            </a:pPr>
-            <a:r>
-              <a:rPr lang="en-US" sz="1000" b="1" i="0" u="none" strike="noStrike" dirty="0">
-                <a:solidFill>
-                  <a:srgbClr val="333399"/>
-                </a:solidFill>
-                <a:effectLst/>
-                <a:latin typeface="arial" panose="020B0604020202020204" pitchFamily="34" charset="0"/>
-                <a:hlinkClick r:id="rId7"/>
-              </a:rPr>
-              <a:t>Java </a:t>
-            </a:r>
-            <a:r>
-              <a:rPr lang="en-US" sz="1000" b="1" i="0" u="none" strike="noStrike" dirty="0" err="1">
-                <a:solidFill>
-                  <a:srgbClr val="333399"/>
-                </a:solidFill>
-                <a:effectLst/>
-                <a:latin typeface="arial" panose="020B0604020202020204" pitchFamily="34" charset="0"/>
-                <a:hlinkClick r:id="rId7"/>
-              </a:rPr>
-              <a:t>SynchronousQueue</a:t>
-            </a:r>
-            <a:endParaRPr lang="en-US" sz="1000" b="0" i="0" dirty="0">
-              <a:solidFill>
-                <a:srgbClr val="000000"/>
-              </a:solidFill>
-              <a:effectLst/>
-              <a:latin typeface="arial" panose="020B0604020202020204" pitchFamily="34" charset="0"/>
-            </a:endParaRPr>
-          </a:p>
-          <a:p>
-            <a:pPr algn="l">
-              <a:buFont typeface="Arial" panose="020B0604020202020204" pitchFamily="34" charset="0"/>
-              <a:buChar char="•"/>
-            </a:pPr>
-            <a:r>
-              <a:rPr lang="en-US" sz="1000" b="1" i="0" u="none" strike="noStrike" dirty="0">
-                <a:solidFill>
-                  <a:srgbClr val="333399"/>
-                </a:solidFill>
-                <a:effectLst/>
-                <a:latin typeface="arial" panose="020B0604020202020204" pitchFamily="34" charset="0"/>
-                <a:hlinkClick r:id="rId8"/>
-              </a:rPr>
-              <a:t>Java </a:t>
-            </a:r>
-            <a:r>
-              <a:rPr lang="en-US" sz="1000" b="1" i="0" u="none" strike="noStrike" dirty="0" err="1">
-                <a:solidFill>
-                  <a:srgbClr val="333399"/>
-                </a:solidFill>
-                <a:effectLst/>
-                <a:latin typeface="arial" panose="020B0604020202020204" pitchFamily="34" charset="0"/>
-                <a:hlinkClick r:id="rId8"/>
-              </a:rPr>
-              <a:t>BlockingDeque</a:t>
-            </a:r>
-            <a:endParaRPr lang="en-US" sz="1000" b="0" i="0" dirty="0">
-              <a:solidFill>
-                <a:srgbClr val="000000"/>
-              </a:solidFill>
-              <a:effectLst/>
-              <a:latin typeface="arial" panose="020B0604020202020204" pitchFamily="34" charset="0"/>
-            </a:endParaRPr>
-          </a:p>
-          <a:p>
-            <a:pPr algn="l">
-              <a:buFont typeface="Arial" panose="020B0604020202020204" pitchFamily="34" charset="0"/>
-              <a:buChar char="•"/>
-            </a:pPr>
-            <a:r>
-              <a:rPr lang="en-US" sz="1000" b="1" i="0" u="none" strike="noStrike" dirty="0">
-                <a:solidFill>
-                  <a:srgbClr val="333399"/>
-                </a:solidFill>
-                <a:effectLst/>
-                <a:latin typeface="arial" panose="020B0604020202020204" pitchFamily="34" charset="0"/>
-                <a:hlinkClick r:id="rId9"/>
-              </a:rPr>
-              <a:t>Java </a:t>
-            </a:r>
-            <a:r>
-              <a:rPr lang="en-US" sz="1000" b="1" i="0" u="none" strike="noStrike" dirty="0" err="1">
-                <a:solidFill>
-                  <a:srgbClr val="333399"/>
-                </a:solidFill>
-                <a:effectLst/>
-                <a:latin typeface="arial" panose="020B0604020202020204" pitchFamily="34" charset="0"/>
-                <a:hlinkClick r:id="rId9"/>
-              </a:rPr>
-              <a:t>LinkedBlockingDeque</a:t>
-            </a:r>
-            <a:endParaRPr lang="en-US" sz="1000" b="0" i="0" dirty="0">
-              <a:solidFill>
-                <a:srgbClr val="000000"/>
-              </a:solidFill>
-              <a:effectLst/>
-              <a:latin typeface="arial" panose="020B0604020202020204" pitchFamily="34" charset="0"/>
-            </a:endParaRPr>
-          </a:p>
-          <a:p>
-            <a:pPr algn="l">
-              <a:buFont typeface="Arial" panose="020B0604020202020204" pitchFamily="34" charset="0"/>
-              <a:buChar char="•"/>
-            </a:pPr>
-            <a:r>
-              <a:rPr lang="en-US" sz="1000" b="1" i="0" u="none" strike="noStrike" dirty="0">
-                <a:solidFill>
-                  <a:srgbClr val="333399"/>
-                </a:solidFill>
-                <a:effectLst/>
-                <a:latin typeface="arial" panose="020B0604020202020204" pitchFamily="34" charset="0"/>
-                <a:hlinkClick r:id="rId10"/>
-              </a:rPr>
-              <a:t>Java </a:t>
-            </a:r>
-            <a:r>
-              <a:rPr lang="en-US" sz="1000" b="1" i="0" u="none" strike="noStrike" dirty="0" err="1">
-                <a:solidFill>
-                  <a:srgbClr val="333399"/>
-                </a:solidFill>
-                <a:effectLst/>
-                <a:latin typeface="arial" panose="020B0604020202020204" pitchFamily="34" charset="0"/>
-                <a:hlinkClick r:id="rId10"/>
-              </a:rPr>
-              <a:t>ConcurrentMap</a:t>
-            </a:r>
-            <a:endParaRPr lang="en-US" sz="1000" b="0" i="0" dirty="0">
-              <a:solidFill>
-                <a:srgbClr val="000000"/>
-              </a:solidFill>
-              <a:effectLst/>
-              <a:latin typeface="arial" panose="020B0604020202020204" pitchFamily="34" charset="0"/>
-            </a:endParaRPr>
-          </a:p>
-          <a:p>
-            <a:pPr algn="l">
-              <a:buFont typeface="Arial" panose="020B0604020202020204" pitchFamily="34" charset="0"/>
-              <a:buChar char="•"/>
-            </a:pPr>
-            <a:r>
-              <a:rPr lang="en-US" sz="1000" b="1" i="0" u="none" strike="noStrike" dirty="0">
-                <a:solidFill>
-                  <a:srgbClr val="333399"/>
-                </a:solidFill>
-                <a:effectLst/>
-                <a:latin typeface="arial" panose="020B0604020202020204" pitchFamily="34" charset="0"/>
-                <a:hlinkClick r:id="rId11"/>
-              </a:rPr>
-              <a:t>Java </a:t>
-            </a:r>
-            <a:r>
-              <a:rPr lang="en-US" sz="1000" b="1" i="0" u="none" strike="noStrike" dirty="0" err="1">
-                <a:solidFill>
-                  <a:srgbClr val="333399"/>
-                </a:solidFill>
-                <a:effectLst/>
-                <a:latin typeface="arial" panose="020B0604020202020204" pitchFamily="34" charset="0"/>
-                <a:hlinkClick r:id="rId11"/>
-              </a:rPr>
-              <a:t>ConcurrentNavigableMap</a:t>
-            </a:r>
-            <a:endParaRPr lang="en-US" sz="1000" b="0" i="0" dirty="0">
-              <a:solidFill>
-                <a:srgbClr val="000000"/>
-              </a:solidFill>
-              <a:effectLst/>
-              <a:latin typeface="arial" panose="020B0604020202020204" pitchFamily="34" charset="0"/>
-            </a:endParaRPr>
-          </a:p>
-          <a:p>
-            <a:pPr algn="l">
-              <a:buFont typeface="Arial" panose="020B0604020202020204" pitchFamily="34" charset="0"/>
-              <a:buChar char="•"/>
-            </a:pPr>
-            <a:r>
-              <a:rPr lang="en-US" sz="1000" b="1" i="0" u="none" strike="noStrike" dirty="0">
-                <a:solidFill>
-                  <a:srgbClr val="333399"/>
-                </a:solidFill>
-                <a:effectLst/>
-                <a:latin typeface="arial" panose="020B0604020202020204" pitchFamily="34" charset="0"/>
-                <a:hlinkClick r:id="rId12"/>
-              </a:rPr>
-              <a:t>Java </a:t>
-            </a:r>
-            <a:r>
-              <a:rPr lang="en-US" sz="1000" b="1" i="0" u="none" strike="noStrike" dirty="0" err="1">
-                <a:solidFill>
-                  <a:srgbClr val="333399"/>
-                </a:solidFill>
-                <a:effectLst/>
-                <a:latin typeface="arial" panose="020B0604020202020204" pitchFamily="34" charset="0"/>
-                <a:hlinkClick r:id="rId12"/>
-              </a:rPr>
-              <a:t>CountDownLatch</a:t>
-            </a:r>
-            <a:endParaRPr lang="en-US" sz="1000" b="0" i="0" dirty="0">
-              <a:solidFill>
-                <a:srgbClr val="000000"/>
-              </a:solidFill>
-              <a:effectLst/>
-              <a:latin typeface="arial" panose="020B0604020202020204" pitchFamily="34" charset="0"/>
-            </a:endParaRPr>
-          </a:p>
-          <a:p>
-            <a:pPr algn="l">
-              <a:buFont typeface="Arial" panose="020B0604020202020204" pitchFamily="34" charset="0"/>
-              <a:buChar char="•"/>
-            </a:pPr>
-            <a:r>
-              <a:rPr lang="en-US" sz="1000" b="1" i="0" u="none" strike="noStrike" dirty="0">
-                <a:solidFill>
-                  <a:srgbClr val="333399"/>
-                </a:solidFill>
-                <a:effectLst/>
-                <a:latin typeface="arial" panose="020B0604020202020204" pitchFamily="34" charset="0"/>
-                <a:hlinkClick r:id="rId13"/>
-              </a:rPr>
-              <a:t>Java </a:t>
-            </a:r>
-            <a:r>
-              <a:rPr lang="en-US" sz="1000" b="1" i="0" u="none" strike="noStrike" dirty="0" err="1">
-                <a:solidFill>
-                  <a:srgbClr val="333399"/>
-                </a:solidFill>
-                <a:effectLst/>
-                <a:latin typeface="arial" panose="020B0604020202020204" pitchFamily="34" charset="0"/>
-                <a:hlinkClick r:id="rId13"/>
-              </a:rPr>
-              <a:t>CyclicBarrier</a:t>
-            </a:r>
-            <a:endParaRPr lang="en-US" sz="1000" b="0" i="0" dirty="0">
-              <a:solidFill>
-                <a:srgbClr val="000000"/>
-              </a:solidFill>
-              <a:effectLst/>
-              <a:latin typeface="arial" panose="020B0604020202020204" pitchFamily="34" charset="0"/>
-            </a:endParaRPr>
-          </a:p>
-          <a:p>
-            <a:pPr algn="l">
-              <a:buFont typeface="Arial" panose="020B0604020202020204" pitchFamily="34" charset="0"/>
-              <a:buChar char="•"/>
-            </a:pPr>
-            <a:r>
-              <a:rPr lang="en-US" sz="1000" b="1" i="0" u="none" strike="noStrike" dirty="0">
-                <a:solidFill>
-                  <a:srgbClr val="333399"/>
-                </a:solidFill>
-                <a:effectLst/>
-                <a:latin typeface="arial" panose="020B0604020202020204" pitchFamily="34" charset="0"/>
-                <a:hlinkClick r:id="rId14"/>
-              </a:rPr>
-              <a:t>Java Exchanger</a:t>
-            </a:r>
-            <a:endParaRPr lang="en-US" sz="1000" b="0" i="0" dirty="0">
-              <a:solidFill>
-                <a:srgbClr val="000000"/>
-              </a:solidFill>
-              <a:effectLst/>
-              <a:latin typeface="arial" panose="020B0604020202020204" pitchFamily="34" charset="0"/>
-            </a:endParaRPr>
-          </a:p>
-          <a:p>
-            <a:pPr algn="l">
-              <a:buFont typeface="Arial" panose="020B0604020202020204" pitchFamily="34" charset="0"/>
-              <a:buChar char="•"/>
-            </a:pPr>
-            <a:r>
-              <a:rPr lang="en-US" sz="1000" b="1" i="0" u="none" strike="noStrike" dirty="0">
-                <a:solidFill>
-                  <a:srgbClr val="333399"/>
-                </a:solidFill>
-                <a:effectLst/>
-                <a:latin typeface="arial" panose="020B0604020202020204" pitchFamily="34" charset="0"/>
-                <a:hlinkClick r:id="rId15"/>
-              </a:rPr>
-              <a:t>Java Semaphore</a:t>
-            </a:r>
-            <a:endParaRPr lang="en-US" sz="1000" b="0" i="0" dirty="0">
-              <a:solidFill>
-                <a:srgbClr val="000000"/>
-              </a:solidFill>
-              <a:effectLst/>
-              <a:latin typeface="arial" panose="020B0604020202020204" pitchFamily="34" charset="0"/>
-            </a:endParaRPr>
-          </a:p>
-          <a:p>
-            <a:pPr algn="l">
-              <a:buFont typeface="Arial" panose="020B0604020202020204" pitchFamily="34" charset="0"/>
-              <a:buChar char="•"/>
-            </a:pPr>
-            <a:r>
-              <a:rPr lang="en-US" sz="1000" b="1" i="0" u="none" strike="noStrike" dirty="0">
-                <a:solidFill>
-                  <a:srgbClr val="333399"/>
-                </a:solidFill>
-                <a:effectLst/>
-                <a:latin typeface="arial" panose="020B0604020202020204" pitchFamily="34" charset="0"/>
-                <a:hlinkClick r:id="rId16"/>
-              </a:rPr>
-              <a:t>Java </a:t>
-            </a:r>
-            <a:r>
-              <a:rPr lang="en-US" sz="1000" b="1" i="0" u="none" strike="noStrike" dirty="0" err="1">
-                <a:solidFill>
-                  <a:srgbClr val="333399"/>
-                </a:solidFill>
-                <a:effectLst/>
-                <a:latin typeface="arial" panose="020B0604020202020204" pitchFamily="34" charset="0"/>
-                <a:hlinkClick r:id="rId16"/>
-              </a:rPr>
-              <a:t>ExecutorService</a:t>
-            </a:r>
-            <a:endParaRPr lang="en-US" sz="1000" b="0" i="0" dirty="0">
-              <a:solidFill>
-                <a:srgbClr val="000000"/>
-              </a:solidFill>
-              <a:effectLst/>
-              <a:latin typeface="arial" panose="020B0604020202020204" pitchFamily="34" charset="0"/>
-            </a:endParaRPr>
-          </a:p>
-          <a:p>
-            <a:pPr algn="l">
-              <a:buFont typeface="Arial" panose="020B0604020202020204" pitchFamily="34" charset="0"/>
-              <a:buChar char="•"/>
-            </a:pPr>
-            <a:r>
-              <a:rPr lang="en-US" sz="1000" b="1" i="0" u="none" strike="noStrike" dirty="0">
-                <a:solidFill>
-                  <a:srgbClr val="333399"/>
-                </a:solidFill>
-                <a:effectLst/>
-                <a:latin typeface="arial" panose="020B0604020202020204" pitchFamily="34" charset="0"/>
-                <a:hlinkClick r:id="rId17"/>
-              </a:rPr>
-              <a:t>Java Callable</a:t>
-            </a:r>
-            <a:endParaRPr lang="en-US" sz="1000" b="0" i="0" dirty="0">
-              <a:solidFill>
-                <a:srgbClr val="000000"/>
-              </a:solidFill>
-              <a:effectLst/>
-              <a:latin typeface="arial" panose="020B0604020202020204" pitchFamily="34" charset="0"/>
-            </a:endParaRPr>
-          </a:p>
-          <a:p>
-            <a:pPr algn="l">
-              <a:buFont typeface="Arial" panose="020B0604020202020204" pitchFamily="34" charset="0"/>
-              <a:buChar char="•"/>
-            </a:pPr>
-            <a:r>
-              <a:rPr lang="en-US" sz="1000" b="1" i="0" u="none" strike="noStrike" dirty="0">
-                <a:solidFill>
-                  <a:srgbClr val="333399"/>
-                </a:solidFill>
-                <a:effectLst/>
-                <a:latin typeface="arial" panose="020B0604020202020204" pitchFamily="34" charset="0"/>
-                <a:hlinkClick r:id="rId18"/>
-              </a:rPr>
-              <a:t>Java Future</a:t>
-            </a:r>
-            <a:endParaRPr lang="en-US" sz="1000" b="0" i="0" dirty="0">
-              <a:solidFill>
-                <a:srgbClr val="000000"/>
-              </a:solidFill>
-              <a:effectLst/>
-              <a:latin typeface="arial" panose="020B0604020202020204" pitchFamily="34" charset="0"/>
-            </a:endParaRPr>
-          </a:p>
-          <a:p>
-            <a:pPr algn="l">
-              <a:buFont typeface="Arial" panose="020B0604020202020204" pitchFamily="34" charset="0"/>
-              <a:buChar char="•"/>
-            </a:pPr>
-            <a:r>
-              <a:rPr lang="en-US" sz="1000" b="1" i="0" u="none" strike="noStrike" dirty="0">
-                <a:solidFill>
-                  <a:srgbClr val="333399"/>
-                </a:solidFill>
-                <a:effectLst/>
-                <a:latin typeface="arial" panose="020B0604020202020204" pitchFamily="34" charset="0"/>
-                <a:hlinkClick r:id="rId19"/>
-              </a:rPr>
-              <a:t>Java </a:t>
-            </a:r>
-            <a:r>
-              <a:rPr lang="en-US" sz="1000" b="1" i="0" u="none" strike="noStrike" dirty="0" err="1">
-                <a:solidFill>
-                  <a:srgbClr val="333399"/>
-                </a:solidFill>
-                <a:effectLst/>
-                <a:latin typeface="arial" panose="020B0604020202020204" pitchFamily="34" charset="0"/>
-                <a:hlinkClick r:id="rId19"/>
-              </a:rPr>
-              <a:t>ThreadPoolExecutor</a:t>
-            </a:r>
-            <a:endParaRPr lang="en-US" sz="1000" b="0" i="0" dirty="0">
-              <a:solidFill>
-                <a:srgbClr val="000000"/>
-              </a:solidFill>
-              <a:effectLst/>
-              <a:latin typeface="arial" panose="020B0604020202020204" pitchFamily="34" charset="0"/>
-            </a:endParaRPr>
-          </a:p>
-          <a:p>
-            <a:pPr algn="l">
-              <a:buFont typeface="Arial" panose="020B0604020202020204" pitchFamily="34" charset="0"/>
-              <a:buChar char="•"/>
-            </a:pPr>
-            <a:r>
-              <a:rPr lang="en-US" sz="1000" b="1" i="0" u="none" strike="noStrike" dirty="0">
-                <a:solidFill>
-                  <a:srgbClr val="333399"/>
-                </a:solidFill>
-                <a:effectLst/>
-                <a:latin typeface="arial" panose="020B0604020202020204" pitchFamily="34" charset="0"/>
-                <a:hlinkClick r:id="rId20"/>
-              </a:rPr>
-              <a:t>Java </a:t>
-            </a:r>
-            <a:r>
-              <a:rPr lang="en-US" sz="1000" b="1" i="0" u="none" strike="noStrike" dirty="0" err="1">
-                <a:solidFill>
-                  <a:srgbClr val="333399"/>
-                </a:solidFill>
-                <a:effectLst/>
-                <a:latin typeface="arial" panose="020B0604020202020204" pitchFamily="34" charset="0"/>
-                <a:hlinkClick r:id="rId20"/>
-              </a:rPr>
-              <a:t>ScheduledExecutorService</a:t>
-            </a:r>
-            <a:endParaRPr lang="en-US" sz="1000" b="0" i="0" dirty="0">
-              <a:solidFill>
-                <a:srgbClr val="000000"/>
-              </a:solidFill>
-              <a:effectLst/>
-              <a:latin typeface="arial" panose="020B0604020202020204" pitchFamily="34" charset="0"/>
-            </a:endParaRPr>
-          </a:p>
-          <a:p>
-            <a:pPr algn="l">
-              <a:buFont typeface="Arial" panose="020B0604020202020204" pitchFamily="34" charset="0"/>
-              <a:buChar char="•"/>
-            </a:pPr>
-            <a:r>
-              <a:rPr lang="en-US" sz="1000" b="1" i="0" u="none" strike="noStrike" dirty="0">
-                <a:solidFill>
-                  <a:srgbClr val="333399"/>
-                </a:solidFill>
-                <a:effectLst/>
-                <a:latin typeface="arial" panose="020B0604020202020204" pitchFamily="34" charset="0"/>
-                <a:hlinkClick r:id="rId21"/>
-              </a:rPr>
-              <a:t>Java </a:t>
-            </a:r>
-            <a:r>
-              <a:rPr lang="en-US" sz="1000" b="1" i="0" u="none" strike="noStrike" dirty="0" err="1">
-                <a:solidFill>
-                  <a:srgbClr val="333399"/>
-                </a:solidFill>
-                <a:effectLst/>
-                <a:latin typeface="arial" panose="020B0604020202020204" pitchFamily="34" charset="0"/>
-                <a:hlinkClick r:id="rId21"/>
-              </a:rPr>
-              <a:t>ForkJoinPool</a:t>
-            </a:r>
-            <a:endParaRPr lang="en-US" sz="1000" b="0" i="0" dirty="0">
-              <a:solidFill>
-                <a:srgbClr val="000000"/>
-              </a:solidFill>
-              <a:effectLst/>
-              <a:latin typeface="arial" panose="020B0604020202020204" pitchFamily="34" charset="0"/>
-            </a:endParaRPr>
-          </a:p>
-          <a:p>
-            <a:pPr algn="l">
-              <a:buFont typeface="Arial" panose="020B0604020202020204" pitchFamily="34" charset="0"/>
-              <a:buChar char="•"/>
-            </a:pPr>
-            <a:r>
-              <a:rPr lang="en-US" sz="1000" b="1" i="0" u="none" strike="noStrike" dirty="0">
-                <a:solidFill>
-                  <a:srgbClr val="333399"/>
-                </a:solidFill>
-                <a:effectLst/>
-                <a:latin typeface="arial" panose="020B0604020202020204" pitchFamily="34" charset="0"/>
-                <a:hlinkClick r:id="rId22"/>
-              </a:rPr>
-              <a:t>Java Lock</a:t>
-            </a:r>
-            <a:endParaRPr lang="en-US" sz="1000" b="0" i="0" dirty="0">
-              <a:solidFill>
-                <a:srgbClr val="000000"/>
-              </a:solidFill>
-              <a:effectLst/>
-              <a:latin typeface="arial" panose="020B0604020202020204" pitchFamily="34" charset="0"/>
-            </a:endParaRPr>
-          </a:p>
-          <a:p>
-            <a:pPr algn="l">
-              <a:buFont typeface="Arial" panose="020B0604020202020204" pitchFamily="34" charset="0"/>
-              <a:buChar char="•"/>
-            </a:pPr>
-            <a:r>
-              <a:rPr lang="en-US" sz="1000" b="1" i="0" u="none" strike="noStrike" dirty="0">
-                <a:solidFill>
-                  <a:srgbClr val="333399"/>
-                </a:solidFill>
-                <a:effectLst/>
-                <a:latin typeface="arial" panose="020B0604020202020204" pitchFamily="34" charset="0"/>
-                <a:hlinkClick r:id="rId23"/>
-              </a:rPr>
-              <a:t>Java </a:t>
-            </a:r>
-            <a:r>
-              <a:rPr lang="en-US" sz="1000" b="1" i="0" u="none" strike="noStrike" dirty="0" err="1">
-                <a:solidFill>
-                  <a:srgbClr val="333399"/>
-                </a:solidFill>
-                <a:effectLst/>
-                <a:latin typeface="arial" panose="020B0604020202020204" pitchFamily="34" charset="0"/>
-                <a:hlinkClick r:id="rId23"/>
-              </a:rPr>
-              <a:t>ReadWriteLock</a:t>
-            </a:r>
-            <a:endParaRPr lang="en-US" sz="1000" b="0" i="0" dirty="0">
-              <a:solidFill>
-                <a:srgbClr val="000000"/>
-              </a:solidFill>
-              <a:effectLst/>
-              <a:latin typeface="arial" panose="020B0604020202020204" pitchFamily="34" charset="0"/>
-            </a:endParaRPr>
-          </a:p>
-          <a:p>
-            <a:pPr algn="l">
-              <a:buFont typeface="Arial" panose="020B0604020202020204" pitchFamily="34" charset="0"/>
-              <a:buChar char="•"/>
-            </a:pPr>
-            <a:r>
-              <a:rPr lang="en-US" sz="1000" b="1" i="0" u="none" strike="noStrike" dirty="0">
-                <a:solidFill>
-                  <a:srgbClr val="333399"/>
-                </a:solidFill>
-                <a:effectLst/>
-                <a:latin typeface="arial" panose="020B0604020202020204" pitchFamily="34" charset="0"/>
-                <a:hlinkClick r:id="rId24"/>
-              </a:rPr>
-              <a:t>Java </a:t>
-            </a:r>
-            <a:r>
-              <a:rPr lang="en-US" sz="1000" b="1" i="0" u="none" strike="noStrike" dirty="0" err="1">
-                <a:solidFill>
-                  <a:srgbClr val="333399"/>
-                </a:solidFill>
-                <a:effectLst/>
-                <a:latin typeface="arial" panose="020B0604020202020204" pitchFamily="34" charset="0"/>
-                <a:hlinkClick r:id="rId24"/>
-              </a:rPr>
-              <a:t>AtomicInteger</a:t>
-            </a:r>
-            <a:endParaRPr lang="en-US" sz="1000" b="0" i="0" dirty="0">
-              <a:solidFill>
-                <a:srgbClr val="000000"/>
-              </a:solidFill>
-              <a:effectLst/>
-              <a:latin typeface="arial" panose="020B0604020202020204" pitchFamily="34" charset="0"/>
-            </a:endParaRPr>
-          </a:p>
-          <a:p>
-            <a:pPr algn="l">
-              <a:buFont typeface="Arial" panose="020B0604020202020204" pitchFamily="34" charset="0"/>
-              <a:buChar char="•"/>
-            </a:pPr>
-            <a:r>
-              <a:rPr lang="en-US" sz="1000" b="1" i="0" u="none" strike="noStrike" dirty="0">
-                <a:solidFill>
-                  <a:srgbClr val="333399"/>
-                </a:solidFill>
-                <a:effectLst/>
-                <a:latin typeface="arial" panose="020B0604020202020204" pitchFamily="34" charset="0"/>
-                <a:hlinkClick r:id="rId25"/>
-              </a:rPr>
-              <a:t>Java </a:t>
-            </a:r>
-            <a:r>
-              <a:rPr lang="en-US" sz="1000" b="1" i="0" u="none" strike="noStrike" dirty="0" err="1">
-                <a:solidFill>
-                  <a:srgbClr val="333399"/>
-                </a:solidFill>
-                <a:effectLst/>
-                <a:latin typeface="arial" panose="020B0604020202020204" pitchFamily="34" charset="0"/>
-                <a:hlinkClick r:id="rId25"/>
-              </a:rPr>
-              <a:t>AtomicLong</a:t>
-            </a:r>
-            <a:endParaRPr lang="en-US" sz="1000" b="0" i="0" dirty="0">
-              <a:solidFill>
-                <a:srgbClr val="000000"/>
-              </a:solidFill>
-              <a:effectLst/>
-              <a:latin typeface="arial" panose="020B0604020202020204" pitchFamily="34" charset="0"/>
-            </a:endParaRPr>
-          </a:p>
-          <a:p>
-            <a:pPr algn="l">
-              <a:buFont typeface="Arial" panose="020B0604020202020204" pitchFamily="34" charset="0"/>
-              <a:buChar char="•"/>
-            </a:pPr>
-            <a:r>
-              <a:rPr lang="en-US" sz="1000" b="1" i="0" u="none" strike="noStrike" dirty="0">
-                <a:solidFill>
-                  <a:srgbClr val="333399"/>
-                </a:solidFill>
-                <a:effectLst/>
-                <a:latin typeface="arial" panose="020B0604020202020204" pitchFamily="34" charset="0"/>
-                <a:hlinkClick r:id="rId26"/>
-              </a:rPr>
-              <a:t>Java </a:t>
-            </a:r>
-            <a:r>
-              <a:rPr lang="en-US" sz="1000" b="1" i="0" u="none" strike="noStrike" dirty="0" err="1">
-                <a:solidFill>
-                  <a:srgbClr val="333399"/>
-                </a:solidFill>
-                <a:effectLst/>
-                <a:latin typeface="arial" panose="020B0604020202020204" pitchFamily="34" charset="0"/>
-                <a:hlinkClick r:id="rId26"/>
-              </a:rPr>
-              <a:t>AtomicReference</a:t>
-            </a:r>
-            <a:endParaRPr lang="en-US" sz="1000" b="0" i="0" dirty="0">
-              <a:solidFill>
-                <a:srgbClr val="000000"/>
-              </a:solidFill>
-              <a:effectLst/>
-              <a:latin typeface="arial" panose="020B0604020202020204" pitchFamily="34" charset="0"/>
-            </a:endParaRPr>
-          </a:p>
-          <a:p>
-            <a:pPr algn="l">
-              <a:buFont typeface="Arial" panose="020B0604020202020204" pitchFamily="34" charset="0"/>
-              <a:buChar char="•"/>
-            </a:pPr>
-            <a:r>
-              <a:rPr lang="en-US" sz="1000" b="1" i="0" u="none" strike="noStrike" dirty="0">
-                <a:solidFill>
-                  <a:srgbClr val="333399"/>
-                </a:solidFill>
-                <a:effectLst/>
-                <a:latin typeface="arial" panose="020B0604020202020204" pitchFamily="34" charset="0"/>
-                <a:hlinkClick r:id="rId27"/>
-              </a:rPr>
-              <a:t>Java </a:t>
-            </a:r>
-            <a:r>
-              <a:rPr lang="en-US" sz="1000" b="1" i="0" u="none" strike="noStrike" dirty="0" err="1">
-                <a:solidFill>
-                  <a:srgbClr val="333399"/>
-                </a:solidFill>
-                <a:effectLst/>
-                <a:latin typeface="arial" panose="020B0604020202020204" pitchFamily="34" charset="0"/>
-                <a:hlinkClick r:id="rId27"/>
-              </a:rPr>
-              <a:t>AtomicStampedReference</a:t>
-            </a:r>
-            <a:endParaRPr lang="en-US" sz="1000" b="0" i="0" dirty="0">
-              <a:solidFill>
-                <a:srgbClr val="000000"/>
-              </a:solidFill>
-              <a:effectLst/>
-              <a:latin typeface="arial" panose="020B0604020202020204" pitchFamily="34" charset="0"/>
-            </a:endParaRPr>
-          </a:p>
-          <a:p>
-            <a:pPr algn="l">
-              <a:buFont typeface="Arial" panose="020B0604020202020204" pitchFamily="34" charset="0"/>
-              <a:buChar char="•"/>
-            </a:pPr>
-            <a:r>
-              <a:rPr lang="en-US" sz="1000" b="1" i="0" u="none" strike="noStrike" dirty="0">
-                <a:solidFill>
-                  <a:srgbClr val="333399"/>
-                </a:solidFill>
-                <a:effectLst/>
-                <a:latin typeface="arial" panose="020B0604020202020204" pitchFamily="34" charset="0"/>
-                <a:hlinkClick r:id="rId28"/>
-              </a:rPr>
-              <a:t>Java </a:t>
-            </a:r>
-            <a:r>
-              <a:rPr lang="en-US" sz="1000" b="1" i="0" u="none" strike="noStrike" dirty="0" err="1">
-                <a:solidFill>
-                  <a:srgbClr val="333399"/>
-                </a:solidFill>
-                <a:effectLst/>
-                <a:latin typeface="arial" panose="020B0604020202020204" pitchFamily="34" charset="0"/>
-                <a:hlinkClick r:id="rId28"/>
-              </a:rPr>
-              <a:t>AtomicIntegerArray</a:t>
-            </a:r>
-            <a:endParaRPr lang="en-US" sz="1000" b="0" i="0" dirty="0">
-              <a:solidFill>
-                <a:srgbClr val="000000"/>
-              </a:solidFill>
-              <a:effectLst/>
-              <a:latin typeface="arial" panose="020B0604020202020204" pitchFamily="34" charset="0"/>
-            </a:endParaRPr>
-          </a:p>
-          <a:p>
-            <a:pPr algn="l">
-              <a:buFont typeface="Arial" panose="020B0604020202020204" pitchFamily="34" charset="0"/>
-              <a:buChar char="•"/>
-            </a:pPr>
-            <a:r>
-              <a:rPr lang="en-US" sz="1000" b="1" i="0" u="none" strike="noStrike" dirty="0">
-                <a:solidFill>
-                  <a:srgbClr val="333399"/>
-                </a:solidFill>
-                <a:effectLst/>
-                <a:latin typeface="arial" panose="020B0604020202020204" pitchFamily="34" charset="0"/>
-                <a:hlinkClick r:id="rId29"/>
-              </a:rPr>
-              <a:t>Java </a:t>
-            </a:r>
-            <a:r>
-              <a:rPr lang="en-US" sz="1000" b="1" i="0" u="none" strike="noStrike" dirty="0" err="1">
-                <a:solidFill>
-                  <a:srgbClr val="333399"/>
-                </a:solidFill>
-                <a:effectLst/>
-                <a:latin typeface="arial" panose="020B0604020202020204" pitchFamily="34" charset="0"/>
-                <a:hlinkClick r:id="rId29"/>
-              </a:rPr>
-              <a:t>AtomicLongArray</a:t>
-            </a:r>
-            <a:endParaRPr lang="en-US" sz="1000" b="0" i="0" dirty="0">
-              <a:solidFill>
-                <a:srgbClr val="000000"/>
-              </a:solidFill>
-              <a:effectLst/>
-              <a:latin typeface="arial" panose="020B0604020202020204" pitchFamily="34" charset="0"/>
-            </a:endParaRPr>
-          </a:p>
-          <a:p>
-            <a:pPr algn="l">
-              <a:buFont typeface="Arial" panose="020B0604020202020204" pitchFamily="34" charset="0"/>
-              <a:buChar char="•"/>
-            </a:pPr>
-            <a:r>
-              <a:rPr lang="en-US" sz="1000" b="1" i="0" u="none" strike="noStrike" dirty="0">
-                <a:solidFill>
-                  <a:srgbClr val="333399"/>
-                </a:solidFill>
-                <a:effectLst/>
-                <a:latin typeface="arial" panose="020B0604020202020204" pitchFamily="34" charset="0"/>
-                <a:hlinkClick r:id="rId30"/>
-              </a:rPr>
-              <a:t>Java </a:t>
-            </a:r>
-            <a:r>
-              <a:rPr lang="en-US" sz="1000" b="1" i="0" u="none" strike="noStrike" dirty="0" err="1">
-                <a:solidFill>
-                  <a:srgbClr val="333399"/>
-                </a:solidFill>
-                <a:effectLst/>
-                <a:latin typeface="arial" panose="020B0604020202020204" pitchFamily="34" charset="0"/>
-                <a:hlinkClick r:id="rId30"/>
-              </a:rPr>
-              <a:t>AtomicReferenceArray</a:t>
-            </a:r>
-            <a:endParaRPr lang="en-US" sz="1000" b="0" i="0" dirty="0">
-              <a:solidFill>
-                <a:srgbClr val="000000"/>
-              </a:solidFill>
-              <a:effectLst/>
-              <a:latin typeface="arial" panose="020B0604020202020204" pitchFamily="34" charset="0"/>
-            </a:endParaRPr>
-          </a:p>
-          <a:p>
-            <a:pPr algn="l" fontAlgn="base"/>
-            <a:endParaRPr lang="en-US" sz="1400" b="0" i="0" dirty="0">
-              <a:effectLst/>
-              <a:latin typeface="var(--font-din)"/>
-            </a:endParaRPr>
-          </a:p>
-        </p:txBody>
-      </p:sp>
+      <p:pic>
+        <p:nvPicPr>
+          <p:cNvPr id="1026" name="Picture 2" descr="Java thread life cycle">
+            <a:extLst>
+              <a:ext uri="{FF2B5EF4-FFF2-40B4-BE49-F238E27FC236}">
+                <a16:creationId xmlns:a16="http://schemas.microsoft.com/office/drawing/2014/main" id="{A0493CF4-B67C-85A1-5967-535A7E2399FF}"/>
+              </a:ext>
+            </a:extLst>
+          </p:cNvPr>
+          <p:cNvPicPr>
+            <a:picLocks noChangeAspect="1" noChangeArrowheads="1"/>
+          </p:cNvPicPr>
+          <p:nvPr/>
+        </p:nvPicPr>
+        <p:blipFill>
+          <a:blip r:embed="rId2">
+            <a:extLst>
+              <a:ext uri="{28A0092B-C50C-407E-A947-70E740481C1C}">
+                <a14:useLocalDpi xmlns:a14="http://schemas.microsoft.com/office/drawing/2010/main" val="0"/>
+              </a:ext>
+            </a:extLst>
+          </a:blip>
+          <a:srcRect/>
+          <a:stretch>
+            <a:fillRect/>
+          </a:stretch>
+        </p:blipFill>
+        <p:spPr bwMode="auto">
+          <a:xfrm>
+            <a:off x="1524000" y="1287837"/>
+            <a:ext cx="10005435" cy="4282326"/>
+          </a:xfrm>
+          <a:prstGeom prst="rect">
+            <a:avLst/>
+          </a:prstGeom>
+          <a:solidFill>
+            <a:schemeClr val="tx1"/>
+          </a:solidFill>
+        </p:spPr>
+      </p:pic>
     </p:spTree>
     <p:extLst>
       <p:ext uri="{BB962C8B-B14F-4D97-AF65-F5344CB8AC3E}">
-        <p14:creationId xmlns:p14="http://schemas.microsoft.com/office/powerpoint/2010/main" val="3858478804"/>
+        <p14:creationId xmlns:p14="http://schemas.microsoft.com/office/powerpoint/2010/main" val="292877695"/>
       </p:ext>
     </p:extLst>
   </p:cSld>
@@ -10970,14 +9938,20 @@
       </p:grpSpPr>
       <p:sp>
         <p:nvSpPr>
-          <p:cNvPr id="2" name="object 2"/>
+          <p:cNvPr id="2" name="object 2">
+            <a:extLst>
+              <a:ext uri="{FF2B5EF4-FFF2-40B4-BE49-F238E27FC236}">
+                <a16:creationId xmlns:a16="http://schemas.microsoft.com/office/drawing/2014/main" id="{A81538B3-8C1D-BEA3-693B-5ECE5936A463}"/>
+              </a:ext>
+            </a:extLst>
+          </p:cNvPr>
           <p:cNvSpPr txBox="1"/>
           <p:nvPr/>
         </p:nvSpPr>
         <p:spPr>
           <a:xfrm>
             <a:off x="2895600" y="184666"/>
-            <a:ext cx="10210800" cy="382156"/>
+            <a:ext cx="10210800" cy="566822"/>
           </a:xfrm>
           <a:prstGeom prst="rect">
             <a:avLst/>
@@ -10989,7 +9963,7 @@
           </a:bodyPr>
           <a:lstStyle/>
           <a:p>
-            <a:pPr marL="12700" algn="ctr">
+            <a:pPr marL="12700">
               <a:lnSpc>
                 <a:spcPct val="100000"/>
               </a:lnSpc>
@@ -10998,7 +9972,7 @@
               </a:spcBef>
             </a:pPr>
             <a:r>
-              <a:rPr lang="en-US" sz="2400" dirty="0">
+              <a:rPr lang="en-US" sz="3600" dirty="0">
                 <a:solidFill>
                   <a:schemeClr val="accent1">
                     <a:lumMod val="75000"/>
@@ -11007,26 +9981,17 @@
                 <a:latin typeface="Trebuchet MS"/>
                 <a:cs typeface="Trebuchet MS"/>
               </a:rPr>
-              <a:t>Sources </a:t>
-            </a:r>
-            <a:endParaRPr sz="2400" dirty="0">
-              <a:solidFill>
-                <a:schemeClr val="accent1">
-                  <a:lumMod val="75000"/>
-                </a:schemeClr>
-              </a:solidFill>
-              <a:latin typeface="Trebuchet MS"/>
-              <a:cs typeface="Trebuchet MS"/>
-            </a:endParaRPr>
+              <a:t>Volatile keyword</a:t>
+            </a:r>
           </a:p>
         </p:txBody>
       </p:sp>
       <p:sp>
         <p:nvSpPr>
-          <p:cNvPr id="5" name="object 3">
-            <a:extLst>
-              <a:ext uri="{FF2B5EF4-FFF2-40B4-BE49-F238E27FC236}">
-                <a16:creationId xmlns:a16="http://schemas.microsoft.com/office/drawing/2014/main" id="{2357900F-F768-44CD-AD98-5F5A243C9030}"/>
+          <p:cNvPr id="4" name="תיבת טקסט 3">
+            <a:extLst>
+              <a:ext uri="{FF2B5EF4-FFF2-40B4-BE49-F238E27FC236}">
+                <a16:creationId xmlns:a16="http://schemas.microsoft.com/office/drawing/2014/main" id="{57CE3091-6A29-F96D-5B73-92AA45F7571F}"/>
               </a:ext>
             </a:extLst>
           </p:cNvPr>
@@ -11035,8 +10000,240 @@
         </p:nvSpPr>
         <p:spPr>
           <a:xfrm>
-            <a:off x="3048000" y="990600"/>
-            <a:ext cx="8561705" cy="4147289"/>
+            <a:off x="2895600" y="914400"/>
+            <a:ext cx="6554754" cy="5355312"/>
+          </a:xfrm>
+          <a:prstGeom prst="rect">
+            <a:avLst/>
+          </a:prstGeom>
+          <a:solidFill>
+            <a:schemeClr val="tx1"/>
+          </a:solidFill>
+        </p:spPr>
+        <p:txBody>
+          <a:bodyPr wrap="square">
+            <a:spAutoFit/>
+          </a:bodyPr>
+          <a:lstStyle/>
+          <a:p>
+            <a:r>
+              <a:rPr lang="en-US" b="0" i="0" dirty="0">
+                <a:solidFill>
+                  <a:srgbClr val="273239"/>
+                </a:solidFill>
+                <a:effectLst/>
+                <a:latin typeface="urw-din"/>
+              </a:rPr>
+              <a:t>Using volatile is yet another way (like synchronized, atomic wrapper) of making class thread-safe. Thread-safe means that a method or class instance can be used by multiple threads at the same time without any problem. Consider the below example.</a:t>
+            </a:r>
+          </a:p>
+          <a:p>
+            <a:endParaRPr lang="en-US" dirty="0">
+              <a:solidFill>
+                <a:srgbClr val="273239"/>
+              </a:solidFill>
+              <a:latin typeface="urw-din"/>
+            </a:endParaRPr>
+          </a:p>
+          <a:p>
+            <a:endParaRPr lang="en-US" b="0" i="0" dirty="0">
+              <a:solidFill>
+                <a:srgbClr val="273239"/>
+              </a:solidFill>
+              <a:effectLst/>
+              <a:latin typeface="urw-din"/>
+            </a:endParaRPr>
+          </a:p>
+          <a:p>
+            <a:endParaRPr lang="en-US" dirty="0">
+              <a:solidFill>
+                <a:srgbClr val="273239"/>
+              </a:solidFill>
+              <a:latin typeface="urw-din"/>
+            </a:endParaRPr>
+          </a:p>
+          <a:p>
+            <a:endParaRPr lang="en-US" b="0" i="0" dirty="0">
+              <a:solidFill>
+                <a:srgbClr val="273239"/>
+              </a:solidFill>
+              <a:effectLst/>
+              <a:latin typeface="urw-din"/>
+            </a:endParaRPr>
+          </a:p>
+          <a:p>
+            <a:endParaRPr lang="en-US" dirty="0">
+              <a:solidFill>
+                <a:srgbClr val="273239"/>
+              </a:solidFill>
+              <a:latin typeface="urw-din"/>
+            </a:endParaRPr>
+          </a:p>
+          <a:p>
+            <a:endParaRPr lang="en-US" b="0" i="0" dirty="0">
+              <a:solidFill>
+                <a:srgbClr val="273239"/>
+              </a:solidFill>
+              <a:effectLst/>
+              <a:latin typeface="urw-din"/>
+            </a:endParaRPr>
+          </a:p>
+          <a:p>
+            <a:endParaRPr lang="en-US" dirty="0">
+              <a:solidFill>
+                <a:srgbClr val="273239"/>
+              </a:solidFill>
+              <a:latin typeface="urw-din"/>
+            </a:endParaRPr>
+          </a:p>
+          <a:p>
+            <a:endParaRPr lang="en-US" b="0" i="0" dirty="0">
+              <a:solidFill>
+                <a:srgbClr val="273239"/>
+              </a:solidFill>
+              <a:effectLst/>
+              <a:latin typeface="urw-din"/>
+            </a:endParaRPr>
+          </a:p>
+          <a:p>
+            <a:endParaRPr lang="en-US" dirty="0">
+              <a:solidFill>
+                <a:srgbClr val="273239"/>
+              </a:solidFill>
+              <a:latin typeface="urw-din"/>
+            </a:endParaRPr>
+          </a:p>
+          <a:p>
+            <a:r>
+              <a:rPr lang="en-US" b="0" i="0" dirty="0">
+                <a:solidFill>
+                  <a:srgbClr val="273239"/>
+                </a:solidFill>
+                <a:effectLst/>
+                <a:latin typeface="urw-din"/>
+              </a:rPr>
+              <a:t>Suppose that two threads are working on </a:t>
+            </a:r>
+            <a:r>
+              <a:rPr lang="en-US" b="1" i="0" dirty="0" err="1">
+                <a:solidFill>
+                  <a:srgbClr val="273239"/>
+                </a:solidFill>
+                <a:effectLst/>
+                <a:latin typeface="urw-din"/>
+              </a:rPr>
+              <a:t>SharedObj</a:t>
+            </a:r>
+            <a:r>
+              <a:rPr lang="en-US" b="0" i="0" dirty="0">
+                <a:solidFill>
+                  <a:srgbClr val="273239"/>
+                </a:solidFill>
+                <a:effectLst/>
+                <a:latin typeface="urw-din"/>
+              </a:rPr>
+              <a:t>. If two threads run on different processors each thread may have its own local copy of </a:t>
+            </a:r>
+            <a:r>
+              <a:rPr lang="en-US" b="1" i="0" dirty="0" err="1">
+                <a:solidFill>
+                  <a:srgbClr val="273239"/>
+                </a:solidFill>
+                <a:effectLst/>
+                <a:latin typeface="urw-din"/>
+              </a:rPr>
+              <a:t>sharedVariable</a:t>
+            </a:r>
+            <a:r>
+              <a:rPr lang="en-US" b="0" i="0" dirty="0">
+                <a:solidFill>
+                  <a:srgbClr val="273239"/>
+                </a:solidFill>
+                <a:effectLst/>
+                <a:latin typeface="urw-din"/>
+              </a:rPr>
+              <a:t>. If one thread modifies its value the change might not reflect in the original one in the main memory instantly. This depends on the write policy of cache. Now the other thread is not aware of the modified value which leads to data inconsistency.  </a:t>
+            </a:r>
+            <a:endParaRPr lang="en-IL" dirty="0"/>
+          </a:p>
+        </p:txBody>
+      </p:sp>
+      <p:pic>
+        <p:nvPicPr>
+          <p:cNvPr id="6" name="תמונה 5">
+            <a:extLst>
+              <a:ext uri="{FF2B5EF4-FFF2-40B4-BE49-F238E27FC236}">
+                <a16:creationId xmlns:a16="http://schemas.microsoft.com/office/drawing/2014/main" id="{92B4336D-E07E-0B30-3B5C-D04DEDB1642F}"/>
+              </a:ext>
+            </a:extLst>
+          </p:cNvPr>
+          <p:cNvPicPr>
+            <a:picLocks noChangeAspect="1"/>
+          </p:cNvPicPr>
+          <p:nvPr/>
+        </p:nvPicPr>
+        <p:blipFill>
+          <a:blip r:embed="rId2"/>
+          <a:stretch>
+            <a:fillRect/>
+          </a:stretch>
+        </p:blipFill>
+        <p:spPr>
+          <a:xfrm>
+            <a:off x="2895600" y="2341582"/>
+            <a:ext cx="6534913" cy="2008683"/>
+          </a:xfrm>
+          <a:prstGeom prst="rect">
+            <a:avLst/>
+          </a:prstGeom>
+        </p:spPr>
+      </p:pic>
+    </p:spTree>
+    <p:extLst>
+      <p:ext uri="{BB962C8B-B14F-4D97-AF65-F5344CB8AC3E}">
+        <p14:creationId xmlns:p14="http://schemas.microsoft.com/office/powerpoint/2010/main" val="2718874993"/>
+      </p:ext>
+    </p:extLst>
+  </p:cSld>
+  <p:clrMapOvr>
+    <a:masterClrMapping/>
+  </p:clrMapOvr>
+</p:sld>
+</file>
+
+<file path=ppt/slides/slide37.xml><?xml version="1.0" encoding="utf-8"?>
+<p:sld xmlns:a="http://schemas.openxmlformats.org/drawingml/2006/main" xmlns:r="http://schemas.openxmlformats.org/officeDocument/2006/relationships" xmlns:p="http://schemas.openxmlformats.org/presentationml/2006/main">
+  <p:cSld>
+    <p:spTree>
+      <p:nvGrpSpPr>
+        <p:cNvPr id="1" name=""/>
+        <p:cNvGrpSpPr/>
+        <p:nvPr/>
+      </p:nvGrpSpPr>
+      <p:grpSpPr>
+        <a:xfrm>
+          <a:off x="0" y="0"/>
+          <a:ext cx="0" cy="0"/>
+          <a:chOff x="0" y="0"/>
+          <a:chExt cx="0" cy="0"/>
+        </a:xfrm>
+      </p:grpSpPr>
+      <p:sp>
+        <p:nvSpPr>
+          <p:cNvPr id="2" name="object 2">
+            <a:extLst>
+              <a:ext uri="{FF2B5EF4-FFF2-40B4-BE49-F238E27FC236}">
+                <a16:creationId xmlns:a16="http://schemas.microsoft.com/office/drawing/2014/main" id="{A81538B3-8C1D-BEA3-693B-5ECE5936A463}"/>
+              </a:ext>
+            </a:extLst>
+          </p:cNvPr>
+          <p:cNvSpPr txBox="1"/>
+          <p:nvPr/>
+        </p:nvSpPr>
+        <p:spPr>
+          <a:xfrm>
+            <a:off x="2895600" y="184666"/>
+            <a:ext cx="10210800" cy="566822"/>
           </a:xfrm>
           <a:prstGeom prst="rect">
             <a:avLst/>
@@ -11048,266 +10245,330 @@
           </a:bodyPr>
           <a:lstStyle/>
           <a:p>
-            <a:pPr marL="355600" marR="5080" indent="-342900">
+            <a:pPr marL="12700">
+              <a:lnSpc>
+                <a:spcPct val="100000"/>
+              </a:lnSpc>
               <a:spcBef>
                 <a:spcPts val="100"/>
               </a:spcBef>
             </a:pPr>
             <a:r>
-              <a:rPr lang="en-US" sz="1200" b="1" dirty="0">
-                <a:latin typeface="Arial Black" panose="020B0A04020102020204" pitchFamily="34" charset="0"/>
-                <a:cs typeface="Arial"/>
-                <a:hlinkClick r:id="rId2"/>
-              </a:rPr>
-              <a:t>https://www.geeksforgeeks.org/daemon-thread-java/?ref=lbp</a:t>
-            </a:r>
-            <a:endParaRPr lang="en-US" sz="1200" b="1" dirty="0">
-              <a:latin typeface="Arial Black" panose="020B0A04020102020204" pitchFamily="34" charset="0"/>
-              <a:cs typeface="Arial"/>
-            </a:endParaRPr>
-          </a:p>
-          <a:p>
-            <a:pPr marL="355600" marR="5080" indent="-342900">
+              <a:rPr lang="en-US" sz="3600" dirty="0">
+                <a:solidFill>
+                  <a:schemeClr val="accent1">
+                    <a:lumMod val="75000"/>
+                  </a:schemeClr>
+                </a:solidFill>
+                <a:latin typeface="Trebuchet MS"/>
+                <a:cs typeface="Trebuchet MS"/>
+              </a:rPr>
+              <a:t>Volatile keyword</a:t>
+            </a:r>
+          </a:p>
+        </p:txBody>
+      </p:sp>
+      <p:pic>
+        <p:nvPicPr>
+          <p:cNvPr id="1026" name="Picture 2" descr="Lightbox">
+            <a:extLst>
+              <a:ext uri="{FF2B5EF4-FFF2-40B4-BE49-F238E27FC236}">
+                <a16:creationId xmlns:a16="http://schemas.microsoft.com/office/drawing/2014/main" id="{4E81A082-B388-2584-89D0-B1C2FAD12609}"/>
+              </a:ext>
+            </a:extLst>
+          </p:cNvPr>
+          <p:cNvPicPr>
+            <a:picLocks noChangeAspect="1" noChangeArrowheads="1"/>
+          </p:cNvPicPr>
+          <p:nvPr/>
+        </p:nvPicPr>
+        <p:blipFill>
+          <a:blip r:embed="rId2">
+            <a:extLst>
+              <a:ext uri="{28A0092B-C50C-407E-A947-70E740481C1C}">
+                <a14:useLocalDpi xmlns:a14="http://schemas.microsoft.com/office/drawing/2010/main" val="0"/>
+              </a:ext>
+            </a:extLst>
+          </a:blip>
+          <a:srcRect/>
+          <a:stretch>
+            <a:fillRect/>
+          </a:stretch>
+        </p:blipFill>
+        <p:spPr bwMode="auto">
+          <a:xfrm>
+            <a:off x="3352800" y="990599"/>
+            <a:ext cx="6477000" cy="5535125"/>
+          </a:xfrm>
+          <a:prstGeom prst="rect">
+            <a:avLst/>
+          </a:prstGeom>
+          <a:noFill/>
+          <a:extLst>
+            <a:ext uri="{909E8E84-426E-40DD-AFC4-6F175D3DCCD1}">
+              <a14:hiddenFill xmlns:a14="http://schemas.microsoft.com/office/drawing/2010/main">
+                <a:solidFill>
+                  <a:srgbClr val="FFFFFF"/>
+                </a:solidFill>
+              </a14:hiddenFill>
+            </a:ext>
+          </a:extLst>
+        </p:spPr>
+      </p:pic>
+    </p:spTree>
+    <p:extLst>
+      <p:ext uri="{BB962C8B-B14F-4D97-AF65-F5344CB8AC3E}">
+        <p14:creationId xmlns:p14="http://schemas.microsoft.com/office/powerpoint/2010/main" val="38427164"/>
+      </p:ext>
+    </p:extLst>
+  </p:cSld>
+  <p:clrMapOvr>
+    <a:masterClrMapping/>
+  </p:clrMapOvr>
+</p:sld>
+</file>
+
+<file path=ppt/slides/slide38.xml><?xml version="1.0" encoding="utf-8"?>
+<p:sld xmlns:a="http://schemas.openxmlformats.org/drawingml/2006/main" xmlns:r="http://schemas.openxmlformats.org/officeDocument/2006/relationships" xmlns:p="http://schemas.openxmlformats.org/presentationml/2006/main">
+  <p:cSld>
+    <p:spTree>
+      <p:nvGrpSpPr>
+        <p:cNvPr id="1" name=""/>
+        <p:cNvGrpSpPr/>
+        <p:nvPr/>
+      </p:nvGrpSpPr>
+      <p:grpSpPr>
+        <a:xfrm>
+          <a:off x="0" y="0"/>
+          <a:ext cx="0" cy="0"/>
+          <a:chOff x="0" y="0"/>
+          <a:chExt cx="0" cy="0"/>
+        </a:xfrm>
+      </p:grpSpPr>
+      <p:sp>
+        <p:nvSpPr>
+          <p:cNvPr id="2" name="object 2">
+            <a:extLst>
+              <a:ext uri="{FF2B5EF4-FFF2-40B4-BE49-F238E27FC236}">
+                <a16:creationId xmlns:a16="http://schemas.microsoft.com/office/drawing/2014/main" id="{A81538B3-8C1D-BEA3-693B-5ECE5936A463}"/>
+              </a:ext>
+            </a:extLst>
+          </p:cNvPr>
+          <p:cNvSpPr txBox="1"/>
+          <p:nvPr/>
+        </p:nvSpPr>
+        <p:spPr>
+          <a:xfrm>
+            <a:off x="2895600" y="184666"/>
+            <a:ext cx="10210800" cy="566822"/>
+          </a:xfrm>
+          <a:prstGeom prst="rect">
+            <a:avLst/>
+          </a:prstGeom>
+        </p:spPr>
+        <p:txBody>
+          <a:bodyPr vert="horz" wrap="square" lIns="0" tIns="12700" rIns="0" bIns="0" rtlCol="0">
+            <a:spAutoFit/>
+          </a:bodyPr>
+          <a:lstStyle/>
+          <a:p>
+            <a:pPr marL="12700">
+              <a:lnSpc>
+                <a:spcPct val="100000"/>
+              </a:lnSpc>
               <a:spcBef>
                 <a:spcPts val="100"/>
               </a:spcBef>
             </a:pPr>
-            <a:endParaRPr lang="en-US" sz="1200" b="1" dirty="0">
-              <a:latin typeface="Arial Black" panose="020B0A04020102020204" pitchFamily="34" charset="0"/>
-              <a:cs typeface="Arial"/>
-            </a:endParaRPr>
-          </a:p>
-          <a:p>
-            <a:pPr marL="355600" marR="5080" indent="-342900">
+            <a:r>
+              <a:rPr lang="en-US" sz="3600" dirty="0">
+                <a:solidFill>
+                  <a:schemeClr val="accent1">
+                    <a:lumMod val="75000"/>
+                  </a:schemeClr>
+                </a:solidFill>
+                <a:latin typeface="Trebuchet MS"/>
+                <a:cs typeface="Trebuchet MS"/>
+              </a:rPr>
+              <a:t>Volatile keyword</a:t>
+            </a:r>
+          </a:p>
+        </p:txBody>
+      </p:sp>
+      <p:pic>
+        <p:nvPicPr>
+          <p:cNvPr id="4" name="תמונה 3">
+            <a:extLst>
+              <a:ext uri="{FF2B5EF4-FFF2-40B4-BE49-F238E27FC236}">
+                <a16:creationId xmlns:a16="http://schemas.microsoft.com/office/drawing/2014/main" id="{FFBD6E9A-F2FD-A959-0185-47310AA94135}"/>
+              </a:ext>
+            </a:extLst>
+          </p:cNvPr>
+          <p:cNvPicPr>
+            <a:picLocks noChangeAspect="1"/>
+          </p:cNvPicPr>
+          <p:nvPr/>
+        </p:nvPicPr>
+        <p:blipFill>
+          <a:blip r:embed="rId2"/>
+          <a:stretch>
+            <a:fillRect/>
+          </a:stretch>
+        </p:blipFill>
+        <p:spPr>
+          <a:xfrm>
+            <a:off x="2727654" y="914400"/>
+            <a:ext cx="9388146" cy="2316556"/>
+          </a:xfrm>
+          <a:prstGeom prst="rect">
+            <a:avLst/>
+          </a:prstGeom>
+        </p:spPr>
+      </p:pic>
+      <p:pic>
+        <p:nvPicPr>
+          <p:cNvPr id="6" name="תמונה 5">
+            <a:extLst>
+              <a:ext uri="{FF2B5EF4-FFF2-40B4-BE49-F238E27FC236}">
+                <a16:creationId xmlns:a16="http://schemas.microsoft.com/office/drawing/2014/main" id="{B5A50AA4-0E8C-FCDA-8877-3402F19AB3EF}"/>
+              </a:ext>
+            </a:extLst>
+          </p:cNvPr>
+          <p:cNvPicPr>
+            <a:picLocks noChangeAspect="1"/>
+          </p:cNvPicPr>
+          <p:nvPr/>
+        </p:nvPicPr>
+        <p:blipFill>
+          <a:blip r:embed="rId3"/>
+          <a:stretch>
+            <a:fillRect/>
+          </a:stretch>
+        </p:blipFill>
+        <p:spPr>
+          <a:xfrm>
+            <a:off x="2709770" y="3530899"/>
+            <a:ext cx="9423913" cy="3131549"/>
+          </a:xfrm>
+          <a:prstGeom prst="rect">
+            <a:avLst/>
+          </a:prstGeom>
+        </p:spPr>
+      </p:pic>
+    </p:spTree>
+    <p:extLst>
+      <p:ext uri="{BB962C8B-B14F-4D97-AF65-F5344CB8AC3E}">
+        <p14:creationId xmlns:p14="http://schemas.microsoft.com/office/powerpoint/2010/main" val="1133515671"/>
+      </p:ext>
+    </p:extLst>
+  </p:cSld>
+  <p:clrMapOvr>
+    <a:masterClrMapping/>
+  </p:clrMapOvr>
+</p:sld>
+</file>
+
+<file path=ppt/slides/slide39.xml><?xml version="1.0" encoding="utf-8"?>
+<p:sld xmlns:a="http://schemas.openxmlformats.org/drawingml/2006/main" xmlns:r="http://schemas.openxmlformats.org/officeDocument/2006/relationships" xmlns:p="http://schemas.openxmlformats.org/presentationml/2006/main">
+  <p:cSld>
+    <p:spTree>
+      <p:nvGrpSpPr>
+        <p:cNvPr id="1" name=""/>
+        <p:cNvGrpSpPr/>
+        <p:nvPr/>
+      </p:nvGrpSpPr>
+      <p:grpSpPr>
+        <a:xfrm>
+          <a:off x="0" y="0"/>
+          <a:ext cx="0" cy="0"/>
+          <a:chOff x="0" y="0"/>
+          <a:chExt cx="0" cy="0"/>
+        </a:xfrm>
+      </p:grpSpPr>
+      <p:sp>
+        <p:nvSpPr>
+          <p:cNvPr id="2" name="object 2">
+            <a:extLst>
+              <a:ext uri="{FF2B5EF4-FFF2-40B4-BE49-F238E27FC236}">
+                <a16:creationId xmlns:a16="http://schemas.microsoft.com/office/drawing/2014/main" id="{A81538B3-8C1D-BEA3-693B-5ECE5936A463}"/>
+              </a:ext>
+            </a:extLst>
+          </p:cNvPr>
+          <p:cNvSpPr txBox="1"/>
+          <p:nvPr/>
+        </p:nvSpPr>
+        <p:spPr>
+          <a:xfrm>
+            <a:off x="2895600" y="0"/>
+            <a:ext cx="10210800" cy="566822"/>
+          </a:xfrm>
+          <a:prstGeom prst="rect">
+            <a:avLst/>
+          </a:prstGeom>
+        </p:spPr>
+        <p:txBody>
+          <a:bodyPr vert="horz" wrap="square" lIns="0" tIns="12700" rIns="0" bIns="0" rtlCol="0">
+            <a:spAutoFit/>
+          </a:bodyPr>
+          <a:lstStyle/>
+          <a:p>
+            <a:pPr marL="12700">
+              <a:lnSpc>
+                <a:spcPct val="100000"/>
+              </a:lnSpc>
               <a:spcBef>
                 <a:spcPts val="100"/>
               </a:spcBef>
             </a:pPr>
             <a:r>
-              <a:rPr lang="en-US" sz="1200" b="1" dirty="0">
-                <a:latin typeface="Arial Black" panose="020B0A04020102020204" pitchFamily="34" charset="0"/>
-                <a:cs typeface="Arial"/>
-                <a:hlinkClick r:id="rId3"/>
-              </a:rPr>
-              <a:t>http://tutorials.jenkov.com/java-util-concurrent/index.html</a:t>
-            </a:r>
-            <a:endParaRPr lang="en-US" sz="1200" b="1" dirty="0">
-              <a:latin typeface="Arial Black" panose="020B0A04020102020204" pitchFamily="34" charset="0"/>
-              <a:cs typeface="Arial"/>
-            </a:endParaRPr>
-          </a:p>
-          <a:p>
-            <a:pPr marL="355600" marR="5080" indent="-342900">
-              <a:spcBef>
-                <a:spcPts val="100"/>
-              </a:spcBef>
-            </a:pPr>
-            <a:endParaRPr lang="en-US" sz="1200" b="1" dirty="0">
-              <a:latin typeface="Arial Black" panose="020B0A04020102020204" pitchFamily="34" charset="0"/>
-              <a:cs typeface="Arial"/>
-            </a:endParaRPr>
-          </a:p>
-          <a:p>
-            <a:pPr marL="355600" marR="5080" indent="-342900">
-              <a:spcBef>
-                <a:spcPts val="100"/>
-              </a:spcBef>
-            </a:pPr>
-            <a:r>
-              <a:rPr lang="en-US" sz="1200" b="1" dirty="0">
-                <a:latin typeface="Arial Black" panose="020B0A04020102020204" pitchFamily="34" charset="0"/>
-                <a:cs typeface="Arial"/>
-                <a:hlinkClick r:id="rId4"/>
-              </a:rPr>
-              <a:t>https://www.slideshare.net/alexmiller/java-concurrency-idioms</a:t>
-            </a:r>
-            <a:endParaRPr lang="en-US" sz="1200" b="1" dirty="0">
-              <a:latin typeface="Arial Black" panose="020B0A04020102020204" pitchFamily="34" charset="0"/>
-              <a:cs typeface="Arial"/>
-            </a:endParaRPr>
-          </a:p>
-          <a:p>
-            <a:pPr marL="355600" marR="5080" indent="-342900">
-              <a:spcBef>
-                <a:spcPts val="100"/>
-              </a:spcBef>
-            </a:pPr>
-            <a:endParaRPr lang="en-US" sz="1200" b="1" dirty="0">
-              <a:latin typeface="Arial Black" panose="020B0A04020102020204" pitchFamily="34" charset="0"/>
-              <a:cs typeface="Arial"/>
-            </a:endParaRPr>
-          </a:p>
-          <a:p>
-            <a:pPr marL="355600" marR="5080" indent="-342900">
-              <a:spcBef>
-                <a:spcPts val="100"/>
-              </a:spcBef>
-            </a:pPr>
-            <a:endParaRPr lang="en-US" sz="1200" b="1" dirty="0">
-              <a:latin typeface="Arial Black" panose="020B0A04020102020204" pitchFamily="34" charset="0"/>
-              <a:cs typeface="Arial"/>
-            </a:endParaRPr>
-          </a:p>
-          <a:p>
-            <a:pPr marL="355600" marR="5080" indent="-342900">
-              <a:spcBef>
-                <a:spcPts val="100"/>
-              </a:spcBef>
-            </a:pPr>
-            <a:endParaRPr lang="en-US" sz="1200" b="1" dirty="0">
-              <a:latin typeface="Arial Black" panose="020B0A04020102020204" pitchFamily="34" charset="0"/>
-              <a:cs typeface="Arial"/>
-            </a:endParaRPr>
-          </a:p>
-          <a:p>
-            <a:pPr marL="355600" marR="5080" indent="-342900">
-              <a:spcBef>
-                <a:spcPts val="100"/>
-              </a:spcBef>
-            </a:pPr>
-            <a:endParaRPr lang="en-US" sz="1200" b="1" dirty="0">
-              <a:latin typeface="Arial Black" panose="020B0A04020102020204" pitchFamily="34" charset="0"/>
-              <a:cs typeface="Arial"/>
-            </a:endParaRPr>
-          </a:p>
-          <a:p>
-            <a:pPr marL="355600" marR="5080" indent="-342900">
-              <a:spcBef>
-                <a:spcPts val="100"/>
-              </a:spcBef>
-            </a:pPr>
-            <a:endParaRPr lang="en-US" sz="1200" b="1" dirty="0">
-              <a:latin typeface="Arial Black" panose="020B0A04020102020204" pitchFamily="34" charset="0"/>
-              <a:cs typeface="Arial"/>
-            </a:endParaRPr>
-          </a:p>
-          <a:p>
-            <a:pPr marL="355600" marR="5080" indent="-342900">
-              <a:spcBef>
-                <a:spcPts val="100"/>
-              </a:spcBef>
-            </a:pPr>
-            <a:endParaRPr lang="en-US" sz="1200" b="1" dirty="0">
-              <a:latin typeface="Arial Black" panose="020B0A04020102020204" pitchFamily="34" charset="0"/>
-              <a:cs typeface="Arial"/>
-            </a:endParaRPr>
-          </a:p>
-          <a:p>
-            <a:pPr marL="355600" marR="5080" indent="-342900">
-              <a:spcBef>
-                <a:spcPts val="100"/>
-              </a:spcBef>
-            </a:pPr>
-            <a:endParaRPr lang="en-US" sz="1200" b="1" dirty="0">
-              <a:latin typeface="Arial Black" panose="020B0A04020102020204" pitchFamily="34" charset="0"/>
-              <a:cs typeface="Arial"/>
-            </a:endParaRPr>
-          </a:p>
-          <a:p>
-            <a:pPr marL="355600" marR="5080" indent="-342900">
-              <a:spcBef>
-                <a:spcPts val="100"/>
-              </a:spcBef>
-            </a:pPr>
-            <a:endParaRPr lang="en-US" sz="1200" b="1" dirty="0">
-              <a:latin typeface="Arial Black" panose="020B0A04020102020204" pitchFamily="34" charset="0"/>
-              <a:cs typeface="Arial"/>
-            </a:endParaRPr>
-          </a:p>
-          <a:p>
-            <a:pPr marL="355600" marR="5080" indent="-342900">
-              <a:spcBef>
-                <a:spcPts val="100"/>
-              </a:spcBef>
-            </a:pPr>
-            <a:endParaRPr lang="en-US" sz="1200" b="1" dirty="0">
-              <a:latin typeface="Arial Black" panose="020B0A04020102020204" pitchFamily="34" charset="0"/>
-              <a:cs typeface="Arial"/>
-            </a:endParaRPr>
-          </a:p>
-          <a:p>
-            <a:pPr marL="355600" marR="5080" indent="-342900">
-              <a:spcBef>
-                <a:spcPts val="100"/>
-              </a:spcBef>
-            </a:pPr>
-            <a:endParaRPr lang="en-US" sz="1200" b="1" dirty="0">
-              <a:latin typeface="Arial Black" panose="020B0A04020102020204" pitchFamily="34" charset="0"/>
-              <a:cs typeface="Arial"/>
-            </a:endParaRPr>
-          </a:p>
-          <a:p>
-            <a:pPr marL="355600" marR="5080" indent="-342900">
-              <a:spcBef>
-                <a:spcPts val="100"/>
-              </a:spcBef>
-            </a:pPr>
-            <a:endParaRPr lang="en-US" sz="1200" b="1" dirty="0">
-              <a:latin typeface="Arial Black" panose="020B0A04020102020204" pitchFamily="34" charset="0"/>
-              <a:cs typeface="Arial"/>
-            </a:endParaRPr>
-          </a:p>
-          <a:p>
-            <a:pPr marL="355600" marR="5080" indent="-342900">
-              <a:spcBef>
-                <a:spcPts val="100"/>
-              </a:spcBef>
-            </a:pPr>
-            <a:endParaRPr lang="en-US" sz="1200" b="1" dirty="0">
-              <a:latin typeface="Arial Black" panose="020B0A04020102020204" pitchFamily="34" charset="0"/>
-              <a:cs typeface="Arial"/>
-            </a:endParaRPr>
-          </a:p>
-          <a:p>
-            <a:pPr marL="355600" marR="5080" indent="-342900">
-              <a:spcBef>
-                <a:spcPts val="100"/>
-              </a:spcBef>
-            </a:pPr>
-            <a:endParaRPr lang="en-US" sz="1200" b="1" dirty="0">
-              <a:latin typeface="Arial Black" panose="020B0A04020102020204" pitchFamily="34" charset="0"/>
-              <a:cs typeface="Arial"/>
-            </a:endParaRPr>
-          </a:p>
-          <a:p>
-            <a:pPr marL="355600" marR="5080" indent="-342900">
-              <a:spcBef>
-                <a:spcPts val="100"/>
-              </a:spcBef>
-            </a:pPr>
-            <a:endParaRPr lang="en-US" sz="1200" b="1" dirty="0">
-              <a:latin typeface="Arial Black" panose="020B0A04020102020204" pitchFamily="34" charset="0"/>
-              <a:cs typeface="Arial"/>
-            </a:endParaRPr>
-          </a:p>
-          <a:p>
-            <a:pPr marL="355600" marR="5080" indent="-342900">
-              <a:spcBef>
-                <a:spcPts val="100"/>
-              </a:spcBef>
-            </a:pPr>
-            <a:endParaRPr lang="en-US" sz="1200" b="1" dirty="0">
-              <a:latin typeface="Arial Black" panose="020B0A04020102020204" pitchFamily="34" charset="0"/>
-              <a:cs typeface="Arial"/>
-            </a:endParaRPr>
-          </a:p>
-          <a:p>
-            <a:pPr marL="355600" marR="5080" indent="-342900">
-              <a:spcBef>
-                <a:spcPts val="100"/>
-              </a:spcBef>
-            </a:pPr>
-            <a:endParaRPr lang="en-US" sz="1200" b="1" dirty="0">
-              <a:latin typeface="Arial Black" panose="020B0A04020102020204" pitchFamily="34" charset="0"/>
-              <a:cs typeface="Arial"/>
-            </a:endParaRPr>
+              <a:rPr lang="en-US" sz="3600" dirty="0">
+                <a:solidFill>
+                  <a:schemeClr val="accent1">
+                    <a:lumMod val="75000"/>
+                  </a:schemeClr>
+                </a:solidFill>
+                <a:latin typeface="Trebuchet MS"/>
+                <a:cs typeface="Trebuchet MS"/>
+              </a:rPr>
+              <a:t>Volatile, Atomic, Synchronized</a:t>
+            </a:r>
           </a:p>
         </p:txBody>
       </p:sp>
+      <p:pic>
+        <p:nvPicPr>
+          <p:cNvPr id="4" name="תמונה 3">
+            <a:extLst>
+              <a:ext uri="{FF2B5EF4-FFF2-40B4-BE49-F238E27FC236}">
+                <a16:creationId xmlns:a16="http://schemas.microsoft.com/office/drawing/2014/main" id="{7C10FA43-6DDF-D893-FB6C-B3C838354123}"/>
+              </a:ext>
+            </a:extLst>
+          </p:cNvPr>
+          <p:cNvPicPr>
+            <a:picLocks noChangeAspect="1"/>
+          </p:cNvPicPr>
+          <p:nvPr/>
+        </p:nvPicPr>
+        <p:blipFill>
+          <a:blip r:embed="rId2"/>
+          <a:stretch>
+            <a:fillRect/>
+          </a:stretch>
+        </p:blipFill>
+        <p:spPr>
+          <a:xfrm>
+            <a:off x="2735268" y="685800"/>
+            <a:ext cx="9151932" cy="6081856"/>
+          </a:xfrm>
+          <a:prstGeom prst="rect">
+            <a:avLst/>
+          </a:prstGeom>
+        </p:spPr>
+      </p:pic>
     </p:spTree>
     <p:extLst>
       <p:ext uri="{BB962C8B-B14F-4D97-AF65-F5344CB8AC3E}">
-        <p14:creationId xmlns:p14="http://schemas.microsoft.com/office/powerpoint/2010/main" val="682994553"/>
+        <p14:creationId xmlns:p14="http://schemas.microsoft.com/office/powerpoint/2010/main" val="1679374809"/>
       </p:ext>
     </p:extLst>
   </p:cSld>
@@ -11377,6 +10638,1560 @@
   <p:transition spd="slow">
     <p:cover/>
   </p:transition>
+</p:sld>
+</file>
+
+<file path=ppt/slides/slide40.xml><?xml version="1.0" encoding="utf-8"?>
+<p:sld xmlns:a="http://schemas.openxmlformats.org/drawingml/2006/main" xmlns:r="http://schemas.openxmlformats.org/officeDocument/2006/relationships" xmlns:p="http://schemas.openxmlformats.org/presentationml/2006/main">
+  <p:cSld>
+    <p:spTree>
+      <p:nvGrpSpPr>
+        <p:cNvPr id="1" name=""/>
+        <p:cNvGrpSpPr/>
+        <p:nvPr/>
+      </p:nvGrpSpPr>
+      <p:grpSpPr>
+        <a:xfrm>
+          <a:off x="0" y="0"/>
+          <a:ext cx="0" cy="0"/>
+          <a:chOff x="0" y="0"/>
+          <a:chExt cx="0" cy="0"/>
+        </a:xfrm>
+      </p:grpSpPr>
+      <p:sp>
+        <p:nvSpPr>
+          <p:cNvPr id="2" name="object 2">
+            <a:extLst>
+              <a:ext uri="{FF2B5EF4-FFF2-40B4-BE49-F238E27FC236}">
+                <a16:creationId xmlns:a16="http://schemas.microsoft.com/office/drawing/2014/main" id="{A81538B3-8C1D-BEA3-693B-5ECE5936A463}"/>
+              </a:ext>
+            </a:extLst>
+          </p:cNvPr>
+          <p:cNvSpPr txBox="1"/>
+          <p:nvPr/>
+        </p:nvSpPr>
+        <p:spPr>
+          <a:xfrm>
+            <a:off x="2895600" y="184666"/>
+            <a:ext cx="10210800" cy="566822"/>
+          </a:xfrm>
+          <a:prstGeom prst="rect">
+            <a:avLst/>
+          </a:prstGeom>
+        </p:spPr>
+        <p:txBody>
+          <a:bodyPr vert="horz" wrap="square" lIns="0" tIns="12700" rIns="0" bIns="0" rtlCol="0">
+            <a:spAutoFit/>
+          </a:bodyPr>
+          <a:lstStyle/>
+          <a:p>
+            <a:pPr marL="12700">
+              <a:lnSpc>
+                <a:spcPct val="100000"/>
+              </a:lnSpc>
+              <a:spcBef>
+                <a:spcPts val="100"/>
+              </a:spcBef>
+            </a:pPr>
+            <a:r>
+              <a:rPr lang="en-US" sz="3600" dirty="0">
+                <a:solidFill>
+                  <a:schemeClr val="accent1">
+                    <a:lumMod val="75000"/>
+                  </a:schemeClr>
+                </a:solidFill>
+                <a:latin typeface="Trebuchet MS"/>
+                <a:cs typeface="Trebuchet MS"/>
+              </a:rPr>
+              <a:t>Volatile keyword</a:t>
+            </a:r>
+          </a:p>
+        </p:txBody>
+      </p:sp>
+    </p:spTree>
+    <p:extLst>
+      <p:ext uri="{BB962C8B-B14F-4D97-AF65-F5344CB8AC3E}">
+        <p14:creationId xmlns:p14="http://schemas.microsoft.com/office/powerpoint/2010/main" val="2010003427"/>
+      </p:ext>
+    </p:extLst>
+  </p:cSld>
+  <p:clrMapOvr>
+    <a:masterClrMapping/>
+  </p:clrMapOvr>
+</p:sld>
+</file>
+
+<file path=ppt/slides/slide41.xml><?xml version="1.0" encoding="utf-8"?>
+<p:sld xmlns:a="http://schemas.openxmlformats.org/drawingml/2006/main" xmlns:r="http://schemas.openxmlformats.org/officeDocument/2006/relationships" xmlns:p="http://schemas.openxmlformats.org/presentationml/2006/main">
+  <p:cSld>
+    <p:spTree>
+      <p:nvGrpSpPr>
+        <p:cNvPr id="1" name=""/>
+        <p:cNvGrpSpPr/>
+        <p:nvPr/>
+      </p:nvGrpSpPr>
+      <p:grpSpPr>
+        <a:xfrm>
+          <a:off x="0" y="0"/>
+          <a:ext cx="0" cy="0"/>
+          <a:chOff x="0" y="0"/>
+          <a:chExt cx="0" cy="0"/>
+        </a:xfrm>
+      </p:grpSpPr>
+      <p:sp>
+        <p:nvSpPr>
+          <p:cNvPr id="2" name="object 2"/>
+          <p:cNvSpPr txBox="1"/>
+          <p:nvPr/>
+        </p:nvSpPr>
+        <p:spPr>
+          <a:xfrm>
+            <a:off x="2895600" y="184666"/>
+            <a:ext cx="10210800" cy="382156"/>
+          </a:xfrm>
+          <a:prstGeom prst="rect">
+            <a:avLst/>
+          </a:prstGeom>
+        </p:spPr>
+        <p:txBody>
+          <a:bodyPr vert="horz" wrap="square" lIns="0" tIns="12700" rIns="0" bIns="0" rtlCol="0">
+            <a:spAutoFit/>
+          </a:bodyPr>
+          <a:lstStyle/>
+          <a:p>
+            <a:pPr marL="12700">
+              <a:lnSpc>
+                <a:spcPct val="100000"/>
+              </a:lnSpc>
+              <a:spcBef>
+                <a:spcPts val="100"/>
+              </a:spcBef>
+            </a:pPr>
+            <a:r>
+              <a:rPr lang="fr-FR" sz="2400" dirty="0">
+                <a:solidFill>
+                  <a:schemeClr val="accent1">
+                    <a:lumMod val="75000"/>
+                  </a:schemeClr>
+                </a:solidFill>
+                <a:latin typeface="Trebuchet MS"/>
+                <a:cs typeface="Trebuchet MS"/>
+              </a:rPr>
+              <a:t>Java Concurrency Utilities - java.util.concurrent</a:t>
+            </a:r>
+            <a:endParaRPr lang="en-US" sz="2400" dirty="0">
+              <a:solidFill>
+                <a:schemeClr val="accent1">
+                  <a:lumMod val="75000"/>
+                </a:schemeClr>
+              </a:solidFill>
+              <a:latin typeface="Trebuchet MS"/>
+              <a:cs typeface="Trebuchet MS"/>
+            </a:endParaRPr>
+          </a:p>
+        </p:txBody>
+      </p:sp>
+      <p:sp>
+        <p:nvSpPr>
+          <p:cNvPr id="6" name="object 3">
+            <a:extLst>
+              <a:ext uri="{FF2B5EF4-FFF2-40B4-BE49-F238E27FC236}">
+                <a16:creationId xmlns:a16="http://schemas.microsoft.com/office/drawing/2014/main" id="{504C54EB-F689-45AF-9B50-A537385B0172}"/>
+              </a:ext>
+            </a:extLst>
+          </p:cNvPr>
+          <p:cNvSpPr txBox="1"/>
+          <p:nvPr/>
+        </p:nvSpPr>
+        <p:spPr>
+          <a:xfrm>
+            <a:off x="2895600" y="620104"/>
+            <a:ext cx="8561705" cy="5552802"/>
+          </a:xfrm>
+          <a:prstGeom prst="rect">
+            <a:avLst/>
+          </a:prstGeom>
+        </p:spPr>
+        <p:txBody>
+          <a:bodyPr vert="horz" wrap="square" lIns="0" tIns="12700" rIns="0" bIns="0" rtlCol="0">
+            <a:spAutoFit/>
+          </a:bodyPr>
+          <a:lstStyle/>
+          <a:p>
+            <a:pPr algn="l" fontAlgn="base"/>
+            <a:r>
+              <a:rPr lang="en-US" sz="1400" b="1" i="0" dirty="0">
+                <a:effectLst/>
+                <a:latin typeface="var(--font-din)"/>
+              </a:rPr>
+              <a:t>Java 5 added a new Java package to the Java platform, the </a:t>
+            </a:r>
+            <a:r>
+              <a:rPr lang="en-US" sz="1400" b="1" i="0" dirty="0" err="1">
+                <a:effectLst/>
+                <a:latin typeface="var(--font-din)"/>
+              </a:rPr>
+              <a:t>java.util.concurrent</a:t>
+            </a:r>
+            <a:r>
+              <a:rPr lang="en-US" sz="1400" b="1" i="0" dirty="0">
+                <a:effectLst/>
+                <a:latin typeface="var(--font-din)"/>
+              </a:rPr>
+              <a:t> package. This package contains a set of classes that makes it easier to develop concurrent (multithreaded) applications in Java. Before this package was added, you would have to program your utility classes yourself.</a:t>
+            </a:r>
+          </a:p>
+          <a:p>
+            <a:pPr algn="l" fontAlgn="base"/>
+            <a:endParaRPr lang="en-US" sz="1400" b="1" dirty="0">
+              <a:latin typeface="var(--font-din)"/>
+            </a:endParaRPr>
+          </a:p>
+          <a:p>
+            <a:pPr algn="l">
+              <a:buFont typeface="Arial" panose="020B0604020202020204" pitchFamily="34" charset="0"/>
+              <a:buChar char="•"/>
+            </a:pPr>
+            <a:r>
+              <a:rPr lang="en-US" sz="1000" b="1" i="0" u="none" strike="noStrike" dirty="0">
+                <a:solidFill>
+                  <a:srgbClr val="333399"/>
+                </a:solidFill>
+                <a:effectLst/>
+                <a:latin typeface="arial" panose="020B0604020202020204" pitchFamily="34" charset="0"/>
+                <a:hlinkClick r:id="rId2"/>
+              </a:rPr>
+              <a:t>Java </a:t>
+            </a:r>
+            <a:r>
+              <a:rPr lang="en-US" sz="1000" b="1" i="0" u="none" strike="noStrike" dirty="0" err="1">
+                <a:solidFill>
+                  <a:srgbClr val="333399"/>
+                </a:solidFill>
+                <a:effectLst/>
+                <a:latin typeface="arial" panose="020B0604020202020204" pitchFamily="34" charset="0"/>
+                <a:hlinkClick r:id="rId2"/>
+              </a:rPr>
+              <a:t>BlockingQueue</a:t>
+            </a:r>
+            <a:endParaRPr lang="en-US" sz="1000" b="0" i="0" dirty="0">
+              <a:solidFill>
+                <a:srgbClr val="000000"/>
+              </a:solidFill>
+              <a:effectLst/>
+              <a:latin typeface="arial" panose="020B0604020202020204" pitchFamily="34" charset="0"/>
+            </a:endParaRPr>
+          </a:p>
+          <a:p>
+            <a:pPr algn="l">
+              <a:buFont typeface="Arial" panose="020B0604020202020204" pitchFamily="34" charset="0"/>
+              <a:buChar char="•"/>
+            </a:pPr>
+            <a:r>
+              <a:rPr lang="en-US" sz="1000" b="1" i="0" u="none" strike="noStrike" dirty="0">
+                <a:solidFill>
+                  <a:srgbClr val="333399"/>
+                </a:solidFill>
+                <a:effectLst/>
+                <a:latin typeface="arial" panose="020B0604020202020204" pitchFamily="34" charset="0"/>
+                <a:hlinkClick r:id="rId3"/>
+              </a:rPr>
+              <a:t>Java </a:t>
+            </a:r>
+            <a:r>
+              <a:rPr lang="en-US" sz="1000" b="1" i="0" u="none" strike="noStrike" dirty="0" err="1">
+                <a:solidFill>
+                  <a:srgbClr val="333399"/>
+                </a:solidFill>
+                <a:effectLst/>
+                <a:latin typeface="arial" panose="020B0604020202020204" pitchFamily="34" charset="0"/>
+                <a:hlinkClick r:id="rId3"/>
+              </a:rPr>
+              <a:t>ArrayBlockingQueue</a:t>
+            </a:r>
+            <a:endParaRPr lang="en-US" sz="1000" b="0" i="0" dirty="0">
+              <a:solidFill>
+                <a:srgbClr val="000000"/>
+              </a:solidFill>
+              <a:effectLst/>
+              <a:latin typeface="arial" panose="020B0604020202020204" pitchFamily="34" charset="0"/>
+            </a:endParaRPr>
+          </a:p>
+          <a:p>
+            <a:pPr algn="l">
+              <a:buFont typeface="Arial" panose="020B0604020202020204" pitchFamily="34" charset="0"/>
+              <a:buChar char="•"/>
+            </a:pPr>
+            <a:r>
+              <a:rPr lang="en-US" sz="1000" b="1" i="0" u="none" strike="noStrike" dirty="0">
+                <a:solidFill>
+                  <a:srgbClr val="333399"/>
+                </a:solidFill>
+                <a:effectLst/>
+                <a:latin typeface="arial" panose="020B0604020202020204" pitchFamily="34" charset="0"/>
+                <a:hlinkClick r:id="rId4"/>
+              </a:rPr>
+              <a:t>Java </a:t>
+            </a:r>
+            <a:r>
+              <a:rPr lang="en-US" sz="1000" b="1" i="0" u="none" strike="noStrike" dirty="0" err="1">
+                <a:solidFill>
+                  <a:srgbClr val="333399"/>
+                </a:solidFill>
+                <a:effectLst/>
+                <a:latin typeface="arial" panose="020B0604020202020204" pitchFamily="34" charset="0"/>
+                <a:hlinkClick r:id="rId4"/>
+              </a:rPr>
+              <a:t>DelayQueue</a:t>
+            </a:r>
+            <a:endParaRPr lang="en-US" sz="1000" b="0" i="0" dirty="0">
+              <a:solidFill>
+                <a:srgbClr val="000000"/>
+              </a:solidFill>
+              <a:effectLst/>
+              <a:latin typeface="arial" panose="020B0604020202020204" pitchFamily="34" charset="0"/>
+            </a:endParaRPr>
+          </a:p>
+          <a:p>
+            <a:pPr algn="l">
+              <a:buFont typeface="Arial" panose="020B0604020202020204" pitchFamily="34" charset="0"/>
+              <a:buChar char="•"/>
+            </a:pPr>
+            <a:r>
+              <a:rPr lang="en-US" sz="1000" b="1" i="0" u="none" strike="noStrike" dirty="0">
+                <a:solidFill>
+                  <a:srgbClr val="333399"/>
+                </a:solidFill>
+                <a:effectLst/>
+                <a:latin typeface="arial" panose="020B0604020202020204" pitchFamily="34" charset="0"/>
+                <a:hlinkClick r:id="rId5"/>
+              </a:rPr>
+              <a:t>Java </a:t>
+            </a:r>
+            <a:r>
+              <a:rPr lang="en-US" sz="1000" b="1" i="0" u="none" strike="noStrike" dirty="0" err="1">
+                <a:solidFill>
+                  <a:srgbClr val="333399"/>
+                </a:solidFill>
+                <a:effectLst/>
+                <a:latin typeface="arial" panose="020B0604020202020204" pitchFamily="34" charset="0"/>
+                <a:hlinkClick r:id="rId5"/>
+              </a:rPr>
+              <a:t>LinkedBlockingQueue</a:t>
+            </a:r>
+            <a:endParaRPr lang="en-US" sz="1000" b="0" i="0" dirty="0">
+              <a:solidFill>
+                <a:srgbClr val="000000"/>
+              </a:solidFill>
+              <a:effectLst/>
+              <a:latin typeface="arial" panose="020B0604020202020204" pitchFamily="34" charset="0"/>
+            </a:endParaRPr>
+          </a:p>
+          <a:p>
+            <a:pPr algn="l">
+              <a:buFont typeface="Arial" panose="020B0604020202020204" pitchFamily="34" charset="0"/>
+              <a:buChar char="•"/>
+            </a:pPr>
+            <a:r>
+              <a:rPr lang="en-US" sz="1000" b="1" i="0" u="none" strike="noStrike" dirty="0">
+                <a:solidFill>
+                  <a:srgbClr val="333399"/>
+                </a:solidFill>
+                <a:effectLst/>
+                <a:latin typeface="arial" panose="020B0604020202020204" pitchFamily="34" charset="0"/>
+                <a:hlinkClick r:id="rId6"/>
+              </a:rPr>
+              <a:t>Java </a:t>
+            </a:r>
+            <a:r>
+              <a:rPr lang="en-US" sz="1000" b="1" i="0" u="none" strike="noStrike" dirty="0" err="1">
+                <a:solidFill>
+                  <a:srgbClr val="333399"/>
+                </a:solidFill>
+                <a:effectLst/>
+                <a:latin typeface="arial" panose="020B0604020202020204" pitchFamily="34" charset="0"/>
+                <a:hlinkClick r:id="rId6"/>
+              </a:rPr>
+              <a:t>PriorityBlockingQueue</a:t>
+            </a:r>
+            <a:endParaRPr lang="en-US" sz="1000" b="0" i="0" dirty="0">
+              <a:solidFill>
+                <a:srgbClr val="000000"/>
+              </a:solidFill>
+              <a:effectLst/>
+              <a:latin typeface="arial" panose="020B0604020202020204" pitchFamily="34" charset="0"/>
+            </a:endParaRPr>
+          </a:p>
+          <a:p>
+            <a:pPr algn="l">
+              <a:buFont typeface="Arial" panose="020B0604020202020204" pitchFamily="34" charset="0"/>
+              <a:buChar char="•"/>
+            </a:pPr>
+            <a:r>
+              <a:rPr lang="en-US" sz="1000" b="1" i="0" u="none" strike="noStrike" dirty="0">
+                <a:solidFill>
+                  <a:srgbClr val="333399"/>
+                </a:solidFill>
+                <a:effectLst/>
+                <a:latin typeface="arial" panose="020B0604020202020204" pitchFamily="34" charset="0"/>
+                <a:hlinkClick r:id="rId7"/>
+              </a:rPr>
+              <a:t>Java </a:t>
+            </a:r>
+            <a:r>
+              <a:rPr lang="en-US" sz="1000" b="1" i="0" u="none" strike="noStrike" dirty="0" err="1">
+                <a:solidFill>
+                  <a:srgbClr val="333399"/>
+                </a:solidFill>
+                <a:effectLst/>
+                <a:latin typeface="arial" panose="020B0604020202020204" pitchFamily="34" charset="0"/>
+                <a:hlinkClick r:id="rId7"/>
+              </a:rPr>
+              <a:t>SynchronousQueue</a:t>
+            </a:r>
+            <a:endParaRPr lang="en-US" sz="1000" b="0" i="0" dirty="0">
+              <a:solidFill>
+                <a:srgbClr val="000000"/>
+              </a:solidFill>
+              <a:effectLst/>
+              <a:latin typeface="arial" panose="020B0604020202020204" pitchFamily="34" charset="0"/>
+            </a:endParaRPr>
+          </a:p>
+          <a:p>
+            <a:pPr algn="l">
+              <a:buFont typeface="Arial" panose="020B0604020202020204" pitchFamily="34" charset="0"/>
+              <a:buChar char="•"/>
+            </a:pPr>
+            <a:r>
+              <a:rPr lang="en-US" sz="1000" b="1" i="0" u="none" strike="noStrike" dirty="0">
+                <a:solidFill>
+                  <a:srgbClr val="333399"/>
+                </a:solidFill>
+                <a:effectLst/>
+                <a:latin typeface="arial" panose="020B0604020202020204" pitchFamily="34" charset="0"/>
+                <a:hlinkClick r:id="rId8"/>
+              </a:rPr>
+              <a:t>Java </a:t>
+            </a:r>
+            <a:r>
+              <a:rPr lang="en-US" sz="1000" b="1" i="0" u="none" strike="noStrike" dirty="0" err="1">
+                <a:solidFill>
+                  <a:srgbClr val="333399"/>
+                </a:solidFill>
+                <a:effectLst/>
+                <a:latin typeface="arial" panose="020B0604020202020204" pitchFamily="34" charset="0"/>
+                <a:hlinkClick r:id="rId8"/>
+              </a:rPr>
+              <a:t>BlockingDeque</a:t>
+            </a:r>
+            <a:endParaRPr lang="en-US" sz="1000" b="0" i="0" dirty="0">
+              <a:solidFill>
+                <a:srgbClr val="000000"/>
+              </a:solidFill>
+              <a:effectLst/>
+              <a:latin typeface="arial" panose="020B0604020202020204" pitchFamily="34" charset="0"/>
+            </a:endParaRPr>
+          </a:p>
+          <a:p>
+            <a:pPr algn="l">
+              <a:buFont typeface="Arial" panose="020B0604020202020204" pitchFamily="34" charset="0"/>
+              <a:buChar char="•"/>
+            </a:pPr>
+            <a:r>
+              <a:rPr lang="en-US" sz="1000" b="1" i="0" u="none" strike="noStrike" dirty="0">
+                <a:solidFill>
+                  <a:srgbClr val="333399"/>
+                </a:solidFill>
+                <a:effectLst/>
+                <a:latin typeface="arial" panose="020B0604020202020204" pitchFamily="34" charset="0"/>
+                <a:hlinkClick r:id="rId9"/>
+              </a:rPr>
+              <a:t>Java </a:t>
+            </a:r>
+            <a:r>
+              <a:rPr lang="en-US" sz="1000" b="1" i="0" u="none" strike="noStrike" dirty="0" err="1">
+                <a:solidFill>
+                  <a:srgbClr val="333399"/>
+                </a:solidFill>
+                <a:effectLst/>
+                <a:latin typeface="arial" panose="020B0604020202020204" pitchFamily="34" charset="0"/>
+                <a:hlinkClick r:id="rId9"/>
+              </a:rPr>
+              <a:t>LinkedBlockingDeque</a:t>
+            </a:r>
+            <a:endParaRPr lang="en-US" sz="1000" b="0" i="0" dirty="0">
+              <a:solidFill>
+                <a:srgbClr val="000000"/>
+              </a:solidFill>
+              <a:effectLst/>
+              <a:latin typeface="arial" panose="020B0604020202020204" pitchFamily="34" charset="0"/>
+            </a:endParaRPr>
+          </a:p>
+          <a:p>
+            <a:pPr algn="l">
+              <a:buFont typeface="Arial" panose="020B0604020202020204" pitchFamily="34" charset="0"/>
+              <a:buChar char="•"/>
+            </a:pPr>
+            <a:r>
+              <a:rPr lang="en-US" sz="1000" b="1" i="0" u="none" strike="noStrike" dirty="0">
+                <a:solidFill>
+                  <a:srgbClr val="333399"/>
+                </a:solidFill>
+                <a:effectLst/>
+                <a:latin typeface="arial" panose="020B0604020202020204" pitchFamily="34" charset="0"/>
+                <a:hlinkClick r:id="rId10"/>
+              </a:rPr>
+              <a:t>Java </a:t>
+            </a:r>
+            <a:r>
+              <a:rPr lang="en-US" sz="1000" b="1" i="0" u="none" strike="noStrike" dirty="0" err="1">
+                <a:solidFill>
+                  <a:srgbClr val="333399"/>
+                </a:solidFill>
+                <a:effectLst/>
+                <a:latin typeface="arial" panose="020B0604020202020204" pitchFamily="34" charset="0"/>
+                <a:hlinkClick r:id="rId10"/>
+              </a:rPr>
+              <a:t>ConcurrentMap</a:t>
+            </a:r>
+            <a:endParaRPr lang="en-US" sz="1000" b="0" i="0" dirty="0">
+              <a:solidFill>
+                <a:srgbClr val="000000"/>
+              </a:solidFill>
+              <a:effectLst/>
+              <a:latin typeface="arial" panose="020B0604020202020204" pitchFamily="34" charset="0"/>
+            </a:endParaRPr>
+          </a:p>
+          <a:p>
+            <a:pPr algn="l">
+              <a:buFont typeface="Arial" panose="020B0604020202020204" pitchFamily="34" charset="0"/>
+              <a:buChar char="•"/>
+            </a:pPr>
+            <a:r>
+              <a:rPr lang="en-US" sz="1000" b="1" i="0" u="none" strike="noStrike" dirty="0">
+                <a:solidFill>
+                  <a:srgbClr val="333399"/>
+                </a:solidFill>
+                <a:effectLst/>
+                <a:latin typeface="arial" panose="020B0604020202020204" pitchFamily="34" charset="0"/>
+                <a:hlinkClick r:id="rId11"/>
+              </a:rPr>
+              <a:t>Java </a:t>
+            </a:r>
+            <a:r>
+              <a:rPr lang="en-US" sz="1000" b="1" i="0" u="none" strike="noStrike" dirty="0" err="1">
+                <a:solidFill>
+                  <a:srgbClr val="333399"/>
+                </a:solidFill>
+                <a:effectLst/>
+                <a:latin typeface="arial" panose="020B0604020202020204" pitchFamily="34" charset="0"/>
+                <a:hlinkClick r:id="rId11"/>
+              </a:rPr>
+              <a:t>ConcurrentNavigableMap</a:t>
+            </a:r>
+            <a:endParaRPr lang="en-US" sz="1000" b="0" i="0" dirty="0">
+              <a:solidFill>
+                <a:srgbClr val="000000"/>
+              </a:solidFill>
+              <a:effectLst/>
+              <a:latin typeface="arial" panose="020B0604020202020204" pitchFamily="34" charset="0"/>
+            </a:endParaRPr>
+          </a:p>
+          <a:p>
+            <a:pPr algn="l">
+              <a:buFont typeface="Arial" panose="020B0604020202020204" pitchFamily="34" charset="0"/>
+              <a:buChar char="•"/>
+            </a:pPr>
+            <a:r>
+              <a:rPr lang="en-US" sz="1000" b="1" i="0" u="none" strike="noStrike" dirty="0">
+                <a:solidFill>
+                  <a:srgbClr val="333399"/>
+                </a:solidFill>
+                <a:effectLst/>
+                <a:latin typeface="arial" panose="020B0604020202020204" pitchFamily="34" charset="0"/>
+                <a:hlinkClick r:id="rId12"/>
+              </a:rPr>
+              <a:t>Java </a:t>
+            </a:r>
+            <a:r>
+              <a:rPr lang="en-US" sz="1000" b="1" i="0" u="none" strike="noStrike" dirty="0" err="1">
+                <a:solidFill>
+                  <a:srgbClr val="333399"/>
+                </a:solidFill>
+                <a:effectLst/>
+                <a:latin typeface="arial" panose="020B0604020202020204" pitchFamily="34" charset="0"/>
+                <a:hlinkClick r:id="rId12"/>
+              </a:rPr>
+              <a:t>CountDownLatch</a:t>
+            </a:r>
+            <a:endParaRPr lang="en-US" sz="1000" b="0" i="0" dirty="0">
+              <a:solidFill>
+                <a:srgbClr val="000000"/>
+              </a:solidFill>
+              <a:effectLst/>
+              <a:latin typeface="arial" panose="020B0604020202020204" pitchFamily="34" charset="0"/>
+            </a:endParaRPr>
+          </a:p>
+          <a:p>
+            <a:pPr algn="l">
+              <a:buFont typeface="Arial" panose="020B0604020202020204" pitchFamily="34" charset="0"/>
+              <a:buChar char="•"/>
+            </a:pPr>
+            <a:r>
+              <a:rPr lang="en-US" sz="1000" b="1" i="0" u="none" strike="noStrike" dirty="0">
+                <a:solidFill>
+                  <a:srgbClr val="333399"/>
+                </a:solidFill>
+                <a:effectLst/>
+                <a:latin typeface="arial" panose="020B0604020202020204" pitchFamily="34" charset="0"/>
+                <a:hlinkClick r:id="rId13"/>
+              </a:rPr>
+              <a:t>Java </a:t>
+            </a:r>
+            <a:r>
+              <a:rPr lang="en-US" sz="1000" b="1" i="0" u="none" strike="noStrike" dirty="0" err="1">
+                <a:solidFill>
+                  <a:srgbClr val="333399"/>
+                </a:solidFill>
+                <a:effectLst/>
+                <a:latin typeface="arial" panose="020B0604020202020204" pitchFamily="34" charset="0"/>
+                <a:hlinkClick r:id="rId13"/>
+              </a:rPr>
+              <a:t>CyclicBarrier</a:t>
+            </a:r>
+            <a:endParaRPr lang="en-US" sz="1000" b="0" i="0" dirty="0">
+              <a:solidFill>
+                <a:srgbClr val="000000"/>
+              </a:solidFill>
+              <a:effectLst/>
+              <a:latin typeface="arial" panose="020B0604020202020204" pitchFamily="34" charset="0"/>
+            </a:endParaRPr>
+          </a:p>
+          <a:p>
+            <a:pPr algn="l">
+              <a:buFont typeface="Arial" panose="020B0604020202020204" pitchFamily="34" charset="0"/>
+              <a:buChar char="•"/>
+            </a:pPr>
+            <a:r>
+              <a:rPr lang="en-US" sz="1000" b="1" i="0" u="none" strike="noStrike" dirty="0">
+                <a:solidFill>
+                  <a:srgbClr val="333399"/>
+                </a:solidFill>
+                <a:effectLst/>
+                <a:latin typeface="arial" panose="020B0604020202020204" pitchFamily="34" charset="0"/>
+                <a:hlinkClick r:id="rId14"/>
+              </a:rPr>
+              <a:t>Java Exchanger</a:t>
+            </a:r>
+            <a:endParaRPr lang="en-US" sz="1000" b="0" i="0" dirty="0">
+              <a:solidFill>
+                <a:srgbClr val="000000"/>
+              </a:solidFill>
+              <a:effectLst/>
+              <a:latin typeface="arial" panose="020B0604020202020204" pitchFamily="34" charset="0"/>
+            </a:endParaRPr>
+          </a:p>
+          <a:p>
+            <a:pPr algn="l">
+              <a:buFont typeface="Arial" panose="020B0604020202020204" pitchFamily="34" charset="0"/>
+              <a:buChar char="•"/>
+            </a:pPr>
+            <a:r>
+              <a:rPr lang="en-US" sz="1000" b="1" i="0" u="none" strike="noStrike" dirty="0">
+                <a:solidFill>
+                  <a:srgbClr val="333399"/>
+                </a:solidFill>
+                <a:effectLst/>
+                <a:latin typeface="arial" panose="020B0604020202020204" pitchFamily="34" charset="0"/>
+                <a:hlinkClick r:id="rId15"/>
+              </a:rPr>
+              <a:t>Java Semaphore</a:t>
+            </a:r>
+            <a:endParaRPr lang="en-US" sz="1000" b="0" i="0" dirty="0">
+              <a:solidFill>
+                <a:srgbClr val="000000"/>
+              </a:solidFill>
+              <a:effectLst/>
+              <a:latin typeface="arial" panose="020B0604020202020204" pitchFamily="34" charset="0"/>
+            </a:endParaRPr>
+          </a:p>
+          <a:p>
+            <a:pPr algn="l">
+              <a:buFont typeface="Arial" panose="020B0604020202020204" pitchFamily="34" charset="0"/>
+              <a:buChar char="•"/>
+            </a:pPr>
+            <a:r>
+              <a:rPr lang="en-US" sz="1000" b="1" i="0" u="none" strike="noStrike" dirty="0">
+                <a:solidFill>
+                  <a:srgbClr val="333399"/>
+                </a:solidFill>
+                <a:effectLst/>
+                <a:latin typeface="arial" panose="020B0604020202020204" pitchFamily="34" charset="0"/>
+                <a:hlinkClick r:id="rId16"/>
+              </a:rPr>
+              <a:t>Java </a:t>
+            </a:r>
+            <a:r>
+              <a:rPr lang="en-US" sz="1000" b="1" i="0" u="none" strike="noStrike" dirty="0" err="1">
+                <a:solidFill>
+                  <a:srgbClr val="333399"/>
+                </a:solidFill>
+                <a:effectLst/>
+                <a:latin typeface="arial" panose="020B0604020202020204" pitchFamily="34" charset="0"/>
+                <a:hlinkClick r:id="rId16"/>
+              </a:rPr>
+              <a:t>ExecutorService</a:t>
+            </a:r>
+            <a:endParaRPr lang="en-US" sz="1000" b="0" i="0" dirty="0">
+              <a:solidFill>
+                <a:srgbClr val="000000"/>
+              </a:solidFill>
+              <a:effectLst/>
+              <a:latin typeface="arial" panose="020B0604020202020204" pitchFamily="34" charset="0"/>
+            </a:endParaRPr>
+          </a:p>
+          <a:p>
+            <a:pPr algn="l">
+              <a:buFont typeface="Arial" panose="020B0604020202020204" pitchFamily="34" charset="0"/>
+              <a:buChar char="•"/>
+            </a:pPr>
+            <a:r>
+              <a:rPr lang="en-US" sz="1000" b="1" i="0" u="none" strike="noStrike" dirty="0">
+                <a:solidFill>
+                  <a:srgbClr val="333399"/>
+                </a:solidFill>
+                <a:effectLst/>
+                <a:latin typeface="arial" panose="020B0604020202020204" pitchFamily="34" charset="0"/>
+                <a:hlinkClick r:id="rId17"/>
+              </a:rPr>
+              <a:t>Java Callable</a:t>
+            </a:r>
+            <a:endParaRPr lang="en-US" sz="1000" b="0" i="0" dirty="0">
+              <a:solidFill>
+                <a:srgbClr val="000000"/>
+              </a:solidFill>
+              <a:effectLst/>
+              <a:latin typeface="arial" panose="020B0604020202020204" pitchFamily="34" charset="0"/>
+            </a:endParaRPr>
+          </a:p>
+          <a:p>
+            <a:pPr algn="l">
+              <a:buFont typeface="Arial" panose="020B0604020202020204" pitchFamily="34" charset="0"/>
+              <a:buChar char="•"/>
+            </a:pPr>
+            <a:r>
+              <a:rPr lang="en-US" sz="1000" b="1" i="0" u="none" strike="noStrike" dirty="0">
+                <a:solidFill>
+                  <a:srgbClr val="333399"/>
+                </a:solidFill>
+                <a:effectLst/>
+                <a:latin typeface="arial" panose="020B0604020202020204" pitchFamily="34" charset="0"/>
+                <a:hlinkClick r:id="rId18"/>
+              </a:rPr>
+              <a:t>Java Future</a:t>
+            </a:r>
+            <a:endParaRPr lang="en-US" sz="1000" b="0" i="0" dirty="0">
+              <a:solidFill>
+                <a:srgbClr val="000000"/>
+              </a:solidFill>
+              <a:effectLst/>
+              <a:latin typeface="arial" panose="020B0604020202020204" pitchFamily="34" charset="0"/>
+            </a:endParaRPr>
+          </a:p>
+          <a:p>
+            <a:pPr algn="l">
+              <a:buFont typeface="Arial" panose="020B0604020202020204" pitchFamily="34" charset="0"/>
+              <a:buChar char="•"/>
+            </a:pPr>
+            <a:r>
+              <a:rPr lang="en-US" sz="1000" b="1" i="0" u="none" strike="noStrike" dirty="0">
+                <a:solidFill>
+                  <a:srgbClr val="333399"/>
+                </a:solidFill>
+                <a:effectLst/>
+                <a:latin typeface="arial" panose="020B0604020202020204" pitchFamily="34" charset="0"/>
+                <a:hlinkClick r:id="rId19"/>
+              </a:rPr>
+              <a:t>Java </a:t>
+            </a:r>
+            <a:r>
+              <a:rPr lang="en-US" sz="1000" b="1" i="0" u="none" strike="noStrike" dirty="0" err="1">
+                <a:solidFill>
+                  <a:srgbClr val="333399"/>
+                </a:solidFill>
+                <a:effectLst/>
+                <a:latin typeface="arial" panose="020B0604020202020204" pitchFamily="34" charset="0"/>
+                <a:hlinkClick r:id="rId19"/>
+              </a:rPr>
+              <a:t>ThreadPoolExecutor</a:t>
+            </a:r>
+            <a:endParaRPr lang="en-US" sz="1000" b="0" i="0" dirty="0">
+              <a:solidFill>
+                <a:srgbClr val="000000"/>
+              </a:solidFill>
+              <a:effectLst/>
+              <a:latin typeface="arial" panose="020B0604020202020204" pitchFamily="34" charset="0"/>
+            </a:endParaRPr>
+          </a:p>
+          <a:p>
+            <a:pPr algn="l">
+              <a:buFont typeface="Arial" panose="020B0604020202020204" pitchFamily="34" charset="0"/>
+              <a:buChar char="•"/>
+            </a:pPr>
+            <a:r>
+              <a:rPr lang="en-US" sz="1000" b="1" i="0" u="none" strike="noStrike" dirty="0">
+                <a:solidFill>
+                  <a:srgbClr val="333399"/>
+                </a:solidFill>
+                <a:effectLst/>
+                <a:latin typeface="arial" panose="020B0604020202020204" pitchFamily="34" charset="0"/>
+                <a:hlinkClick r:id="rId20"/>
+              </a:rPr>
+              <a:t>Java </a:t>
+            </a:r>
+            <a:r>
+              <a:rPr lang="en-US" sz="1000" b="1" i="0" u="none" strike="noStrike" dirty="0" err="1">
+                <a:solidFill>
+                  <a:srgbClr val="333399"/>
+                </a:solidFill>
+                <a:effectLst/>
+                <a:latin typeface="arial" panose="020B0604020202020204" pitchFamily="34" charset="0"/>
+                <a:hlinkClick r:id="rId20"/>
+              </a:rPr>
+              <a:t>ScheduledExecutorService</a:t>
+            </a:r>
+            <a:endParaRPr lang="en-US" sz="1000" b="0" i="0" dirty="0">
+              <a:solidFill>
+                <a:srgbClr val="000000"/>
+              </a:solidFill>
+              <a:effectLst/>
+              <a:latin typeface="arial" panose="020B0604020202020204" pitchFamily="34" charset="0"/>
+            </a:endParaRPr>
+          </a:p>
+          <a:p>
+            <a:pPr algn="l">
+              <a:buFont typeface="Arial" panose="020B0604020202020204" pitchFamily="34" charset="0"/>
+              <a:buChar char="•"/>
+            </a:pPr>
+            <a:r>
+              <a:rPr lang="en-US" sz="1000" b="1" i="0" u="none" strike="noStrike" dirty="0">
+                <a:solidFill>
+                  <a:srgbClr val="333399"/>
+                </a:solidFill>
+                <a:effectLst/>
+                <a:latin typeface="arial" panose="020B0604020202020204" pitchFamily="34" charset="0"/>
+                <a:hlinkClick r:id="rId21"/>
+              </a:rPr>
+              <a:t>Java </a:t>
+            </a:r>
+            <a:r>
+              <a:rPr lang="en-US" sz="1000" b="1" i="0" u="none" strike="noStrike" dirty="0" err="1">
+                <a:solidFill>
+                  <a:srgbClr val="333399"/>
+                </a:solidFill>
+                <a:effectLst/>
+                <a:latin typeface="arial" panose="020B0604020202020204" pitchFamily="34" charset="0"/>
+                <a:hlinkClick r:id="rId21"/>
+              </a:rPr>
+              <a:t>ForkJoinPool</a:t>
+            </a:r>
+            <a:endParaRPr lang="en-US" sz="1000" b="0" i="0" dirty="0">
+              <a:solidFill>
+                <a:srgbClr val="000000"/>
+              </a:solidFill>
+              <a:effectLst/>
+              <a:latin typeface="arial" panose="020B0604020202020204" pitchFamily="34" charset="0"/>
+            </a:endParaRPr>
+          </a:p>
+          <a:p>
+            <a:pPr algn="l">
+              <a:buFont typeface="Arial" panose="020B0604020202020204" pitchFamily="34" charset="0"/>
+              <a:buChar char="•"/>
+            </a:pPr>
+            <a:r>
+              <a:rPr lang="en-US" sz="1000" b="1" i="0" u="none" strike="noStrike" dirty="0">
+                <a:solidFill>
+                  <a:srgbClr val="333399"/>
+                </a:solidFill>
+                <a:effectLst/>
+                <a:latin typeface="arial" panose="020B0604020202020204" pitchFamily="34" charset="0"/>
+                <a:hlinkClick r:id="rId22"/>
+              </a:rPr>
+              <a:t>Java Lock</a:t>
+            </a:r>
+            <a:endParaRPr lang="en-US" sz="1000" b="0" i="0" dirty="0">
+              <a:solidFill>
+                <a:srgbClr val="000000"/>
+              </a:solidFill>
+              <a:effectLst/>
+              <a:latin typeface="arial" panose="020B0604020202020204" pitchFamily="34" charset="0"/>
+            </a:endParaRPr>
+          </a:p>
+          <a:p>
+            <a:pPr algn="l">
+              <a:buFont typeface="Arial" panose="020B0604020202020204" pitchFamily="34" charset="0"/>
+              <a:buChar char="•"/>
+            </a:pPr>
+            <a:r>
+              <a:rPr lang="en-US" sz="1000" b="1" i="0" u="none" strike="noStrike" dirty="0">
+                <a:solidFill>
+                  <a:srgbClr val="333399"/>
+                </a:solidFill>
+                <a:effectLst/>
+                <a:latin typeface="arial" panose="020B0604020202020204" pitchFamily="34" charset="0"/>
+                <a:hlinkClick r:id="rId23"/>
+              </a:rPr>
+              <a:t>Java </a:t>
+            </a:r>
+            <a:r>
+              <a:rPr lang="en-US" sz="1000" b="1" i="0" u="none" strike="noStrike" dirty="0" err="1">
+                <a:solidFill>
+                  <a:srgbClr val="333399"/>
+                </a:solidFill>
+                <a:effectLst/>
+                <a:latin typeface="arial" panose="020B0604020202020204" pitchFamily="34" charset="0"/>
+                <a:hlinkClick r:id="rId23"/>
+              </a:rPr>
+              <a:t>ReadWriteLock</a:t>
+            </a:r>
+            <a:endParaRPr lang="en-US" sz="1000" b="0" i="0" dirty="0">
+              <a:solidFill>
+                <a:srgbClr val="000000"/>
+              </a:solidFill>
+              <a:effectLst/>
+              <a:latin typeface="arial" panose="020B0604020202020204" pitchFamily="34" charset="0"/>
+            </a:endParaRPr>
+          </a:p>
+          <a:p>
+            <a:pPr algn="l">
+              <a:buFont typeface="Arial" panose="020B0604020202020204" pitchFamily="34" charset="0"/>
+              <a:buChar char="•"/>
+            </a:pPr>
+            <a:r>
+              <a:rPr lang="en-US" sz="1000" b="1" i="0" u="none" strike="noStrike" dirty="0">
+                <a:solidFill>
+                  <a:srgbClr val="333399"/>
+                </a:solidFill>
+                <a:effectLst/>
+                <a:latin typeface="arial" panose="020B0604020202020204" pitchFamily="34" charset="0"/>
+                <a:hlinkClick r:id="rId24"/>
+              </a:rPr>
+              <a:t>Java </a:t>
+            </a:r>
+            <a:r>
+              <a:rPr lang="en-US" sz="1000" b="1" i="0" u="none" strike="noStrike" dirty="0" err="1">
+                <a:solidFill>
+                  <a:srgbClr val="333399"/>
+                </a:solidFill>
+                <a:effectLst/>
+                <a:latin typeface="arial" panose="020B0604020202020204" pitchFamily="34" charset="0"/>
+                <a:hlinkClick r:id="rId24"/>
+              </a:rPr>
+              <a:t>AtomicInteger</a:t>
+            </a:r>
+            <a:endParaRPr lang="en-US" sz="1000" b="0" i="0" dirty="0">
+              <a:solidFill>
+                <a:srgbClr val="000000"/>
+              </a:solidFill>
+              <a:effectLst/>
+              <a:latin typeface="arial" panose="020B0604020202020204" pitchFamily="34" charset="0"/>
+            </a:endParaRPr>
+          </a:p>
+          <a:p>
+            <a:pPr algn="l">
+              <a:buFont typeface="Arial" panose="020B0604020202020204" pitchFamily="34" charset="0"/>
+              <a:buChar char="•"/>
+            </a:pPr>
+            <a:r>
+              <a:rPr lang="en-US" sz="1000" b="1" i="0" u="none" strike="noStrike" dirty="0">
+                <a:solidFill>
+                  <a:srgbClr val="333399"/>
+                </a:solidFill>
+                <a:effectLst/>
+                <a:latin typeface="arial" panose="020B0604020202020204" pitchFamily="34" charset="0"/>
+                <a:hlinkClick r:id="rId25"/>
+              </a:rPr>
+              <a:t>Java </a:t>
+            </a:r>
+            <a:r>
+              <a:rPr lang="en-US" sz="1000" b="1" i="0" u="none" strike="noStrike" dirty="0" err="1">
+                <a:solidFill>
+                  <a:srgbClr val="333399"/>
+                </a:solidFill>
+                <a:effectLst/>
+                <a:latin typeface="arial" panose="020B0604020202020204" pitchFamily="34" charset="0"/>
+                <a:hlinkClick r:id="rId25"/>
+              </a:rPr>
+              <a:t>AtomicLong</a:t>
+            </a:r>
+            <a:endParaRPr lang="en-US" sz="1000" b="0" i="0" dirty="0">
+              <a:solidFill>
+                <a:srgbClr val="000000"/>
+              </a:solidFill>
+              <a:effectLst/>
+              <a:latin typeface="arial" panose="020B0604020202020204" pitchFamily="34" charset="0"/>
+            </a:endParaRPr>
+          </a:p>
+          <a:p>
+            <a:pPr algn="l">
+              <a:buFont typeface="Arial" panose="020B0604020202020204" pitchFamily="34" charset="0"/>
+              <a:buChar char="•"/>
+            </a:pPr>
+            <a:r>
+              <a:rPr lang="en-US" sz="1000" b="1" i="0" u="none" strike="noStrike" dirty="0">
+                <a:solidFill>
+                  <a:srgbClr val="333399"/>
+                </a:solidFill>
+                <a:effectLst/>
+                <a:latin typeface="arial" panose="020B0604020202020204" pitchFamily="34" charset="0"/>
+                <a:hlinkClick r:id="rId26"/>
+              </a:rPr>
+              <a:t>Java </a:t>
+            </a:r>
+            <a:r>
+              <a:rPr lang="en-US" sz="1000" b="1" i="0" u="none" strike="noStrike" dirty="0" err="1">
+                <a:solidFill>
+                  <a:srgbClr val="333399"/>
+                </a:solidFill>
+                <a:effectLst/>
+                <a:latin typeface="arial" panose="020B0604020202020204" pitchFamily="34" charset="0"/>
+                <a:hlinkClick r:id="rId26"/>
+              </a:rPr>
+              <a:t>AtomicReference</a:t>
+            </a:r>
+            <a:endParaRPr lang="en-US" sz="1000" b="0" i="0" dirty="0">
+              <a:solidFill>
+                <a:srgbClr val="000000"/>
+              </a:solidFill>
+              <a:effectLst/>
+              <a:latin typeface="arial" panose="020B0604020202020204" pitchFamily="34" charset="0"/>
+            </a:endParaRPr>
+          </a:p>
+          <a:p>
+            <a:pPr algn="l">
+              <a:buFont typeface="Arial" panose="020B0604020202020204" pitchFamily="34" charset="0"/>
+              <a:buChar char="•"/>
+            </a:pPr>
+            <a:r>
+              <a:rPr lang="en-US" sz="1000" b="1" i="0" u="none" strike="noStrike" dirty="0">
+                <a:solidFill>
+                  <a:srgbClr val="333399"/>
+                </a:solidFill>
+                <a:effectLst/>
+                <a:latin typeface="arial" panose="020B0604020202020204" pitchFamily="34" charset="0"/>
+                <a:hlinkClick r:id="rId27"/>
+              </a:rPr>
+              <a:t>Java </a:t>
+            </a:r>
+            <a:r>
+              <a:rPr lang="en-US" sz="1000" b="1" i="0" u="none" strike="noStrike" dirty="0" err="1">
+                <a:solidFill>
+                  <a:srgbClr val="333399"/>
+                </a:solidFill>
+                <a:effectLst/>
+                <a:latin typeface="arial" panose="020B0604020202020204" pitchFamily="34" charset="0"/>
+                <a:hlinkClick r:id="rId27"/>
+              </a:rPr>
+              <a:t>AtomicStampedReference</a:t>
+            </a:r>
+            <a:endParaRPr lang="en-US" sz="1000" b="0" i="0" dirty="0">
+              <a:solidFill>
+                <a:srgbClr val="000000"/>
+              </a:solidFill>
+              <a:effectLst/>
+              <a:latin typeface="arial" panose="020B0604020202020204" pitchFamily="34" charset="0"/>
+            </a:endParaRPr>
+          </a:p>
+          <a:p>
+            <a:pPr algn="l">
+              <a:buFont typeface="Arial" panose="020B0604020202020204" pitchFamily="34" charset="0"/>
+              <a:buChar char="•"/>
+            </a:pPr>
+            <a:r>
+              <a:rPr lang="en-US" sz="1000" b="1" i="0" u="none" strike="noStrike" dirty="0">
+                <a:solidFill>
+                  <a:srgbClr val="333399"/>
+                </a:solidFill>
+                <a:effectLst/>
+                <a:latin typeface="arial" panose="020B0604020202020204" pitchFamily="34" charset="0"/>
+                <a:hlinkClick r:id="rId28"/>
+              </a:rPr>
+              <a:t>Java </a:t>
+            </a:r>
+            <a:r>
+              <a:rPr lang="en-US" sz="1000" b="1" i="0" u="none" strike="noStrike" dirty="0" err="1">
+                <a:solidFill>
+                  <a:srgbClr val="333399"/>
+                </a:solidFill>
+                <a:effectLst/>
+                <a:latin typeface="arial" panose="020B0604020202020204" pitchFamily="34" charset="0"/>
+                <a:hlinkClick r:id="rId28"/>
+              </a:rPr>
+              <a:t>AtomicIntegerArray</a:t>
+            </a:r>
+            <a:endParaRPr lang="en-US" sz="1000" b="0" i="0" dirty="0">
+              <a:solidFill>
+                <a:srgbClr val="000000"/>
+              </a:solidFill>
+              <a:effectLst/>
+              <a:latin typeface="arial" panose="020B0604020202020204" pitchFamily="34" charset="0"/>
+            </a:endParaRPr>
+          </a:p>
+          <a:p>
+            <a:pPr algn="l">
+              <a:buFont typeface="Arial" panose="020B0604020202020204" pitchFamily="34" charset="0"/>
+              <a:buChar char="•"/>
+            </a:pPr>
+            <a:r>
+              <a:rPr lang="en-US" sz="1000" b="1" i="0" u="none" strike="noStrike" dirty="0">
+                <a:solidFill>
+                  <a:srgbClr val="333399"/>
+                </a:solidFill>
+                <a:effectLst/>
+                <a:latin typeface="arial" panose="020B0604020202020204" pitchFamily="34" charset="0"/>
+                <a:hlinkClick r:id="rId29"/>
+              </a:rPr>
+              <a:t>Java </a:t>
+            </a:r>
+            <a:r>
+              <a:rPr lang="en-US" sz="1000" b="1" i="0" u="none" strike="noStrike" dirty="0" err="1">
+                <a:solidFill>
+                  <a:srgbClr val="333399"/>
+                </a:solidFill>
+                <a:effectLst/>
+                <a:latin typeface="arial" panose="020B0604020202020204" pitchFamily="34" charset="0"/>
+                <a:hlinkClick r:id="rId29"/>
+              </a:rPr>
+              <a:t>AtomicLongArray</a:t>
+            </a:r>
+            <a:endParaRPr lang="en-US" sz="1000" b="0" i="0" dirty="0">
+              <a:solidFill>
+                <a:srgbClr val="000000"/>
+              </a:solidFill>
+              <a:effectLst/>
+              <a:latin typeface="arial" panose="020B0604020202020204" pitchFamily="34" charset="0"/>
+            </a:endParaRPr>
+          </a:p>
+          <a:p>
+            <a:pPr algn="l">
+              <a:buFont typeface="Arial" panose="020B0604020202020204" pitchFamily="34" charset="0"/>
+              <a:buChar char="•"/>
+            </a:pPr>
+            <a:r>
+              <a:rPr lang="en-US" sz="1000" b="1" i="0" u="none" strike="noStrike" dirty="0">
+                <a:solidFill>
+                  <a:srgbClr val="333399"/>
+                </a:solidFill>
+                <a:effectLst/>
+                <a:latin typeface="arial" panose="020B0604020202020204" pitchFamily="34" charset="0"/>
+                <a:hlinkClick r:id="rId30"/>
+              </a:rPr>
+              <a:t>Java </a:t>
+            </a:r>
+            <a:r>
+              <a:rPr lang="en-US" sz="1000" b="1" i="0" u="none" strike="noStrike" dirty="0" err="1">
+                <a:solidFill>
+                  <a:srgbClr val="333399"/>
+                </a:solidFill>
+                <a:effectLst/>
+                <a:latin typeface="arial" panose="020B0604020202020204" pitchFamily="34" charset="0"/>
+                <a:hlinkClick r:id="rId30"/>
+              </a:rPr>
+              <a:t>AtomicReferenceArray</a:t>
+            </a:r>
+            <a:endParaRPr lang="en-US" sz="1000" b="0" i="0" dirty="0">
+              <a:solidFill>
+                <a:srgbClr val="000000"/>
+              </a:solidFill>
+              <a:effectLst/>
+              <a:latin typeface="arial" panose="020B0604020202020204" pitchFamily="34" charset="0"/>
+            </a:endParaRPr>
+          </a:p>
+          <a:p>
+            <a:pPr algn="l" fontAlgn="base"/>
+            <a:endParaRPr lang="en-US" sz="1400" b="0" i="0" dirty="0">
+              <a:effectLst/>
+              <a:latin typeface="var(--font-din)"/>
+            </a:endParaRPr>
+          </a:p>
+        </p:txBody>
+      </p:sp>
+    </p:spTree>
+    <p:extLst>
+      <p:ext uri="{BB962C8B-B14F-4D97-AF65-F5344CB8AC3E}">
+        <p14:creationId xmlns:p14="http://schemas.microsoft.com/office/powerpoint/2010/main" val="3858478804"/>
+      </p:ext>
+    </p:extLst>
+  </p:cSld>
+  <p:clrMapOvr>
+    <a:masterClrMapping/>
+  </p:clrMapOvr>
+</p:sld>
+</file>
+
+<file path=ppt/slides/slide42.xml><?xml version="1.0" encoding="utf-8"?>
+<p:sld xmlns:a="http://schemas.openxmlformats.org/drawingml/2006/main" xmlns:r="http://schemas.openxmlformats.org/officeDocument/2006/relationships" xmlns:p="http://schemas.openxmlformats.org/presentationml/2006/main">
+  <p:cSld>
+    <p:spTree>
+      <p:nvGrpSpPr>
+        <p:cNvPr id="1" name=""/>
+        <p:cNvGrpSpPr/>
+        <p:nvPr/>
+      </p:nvGrpSpPr>
+      <p:grpSpPr>
+        <a:xfrm>
+          <a:off x="0" y="0"/>
+          <a:ext cx="0" cy="0"/>
+          <a:chOff x="0" y="0"/>
+          <a:chExt cx="0" cy="0"/>
+        </a:xfrm>
+      </p:grpSpPr>
+      <p:sp>
+        <p:nvSpPr>
+          <p:cNvPr id="2" name="object 2"/>
+          <p:cNvSpPr txBox="1"/>
+          <p:nvPr/>
+        </p:nvSpPr>
+        <p:spPr>
+          <a:xfrm>
+            <a:off x="2895600" y="184666"/>
+            <a:ext cx="10210800" cy="382156"/>
+          </a:xfrm>
+          <a:prstGeom prst="rect">
+            <a:avLst/>
+          </a:prstGeom>
+        </p:spPr>
+        <p:txBody>
+          <a:bodyPr vert="horz" wrap="square" lIns="0" tIns="12700" rIns="0" bIns="0" rtlCol="0">
+            <a:spAutoFit/>
+          </a:bodyPr>
+          <a:lstStyle/>
+          <a:p>
+            <a:pPr marL="12700" algn="ctr">
+              <a:lnSpc>
+                <a:spcPct val="100000"/>
+              </a:lnSpc>
+              <a:spcBef>
+                <a:spcPts val="100"/>
+              </a:spcBef>
+            </a:pPr>
+            <a:r>
+              <a:rPr lang="en-US" sz="2400" dirty="0">
+                <a:solidFill>
+                  <a:schemeClr val="accent1">
+                    <a:lumMod val="75000"/>
+                  </a:schemeClr>
+                </a:solidFill>
+                <a:latin typeface="Trebuchet MS"/>
+                <a:cs typeface="Trebuchet MS"/>
+              </a:rPr>
+              <a:t>Sources </a:t>
+            </a:r>
+            <a:endParaRPr sz="2400" dirty="0">
+              <a:solidFill>
+                <a:schemeClr val="accent1">
+                  <a:lumMod val="75000"/>
+                </a:schemeClr>
+              </a:solidFill>
+              <a:latin typeface="Trebuchet MS"/>
+              <a:cs typeface="Trebuchet MS"/>
+            </a:endParaRPr>
+          </a:p>
+        </p:txBody>
+      </p:sp>
+      <p:sp>
+        <p:nvSpPr>
+          <p:cNvPr id="5" name="object 3">
+            <a:extLst>
+              <a:ext uri="{FF2B5EF4-FFF2-40B4-BE49-F238E27FC236}">
+                <a16:creationId xmlns:a16="http://schemas.microsoft.com/office/drawing/2014/main" id="{2357900F-F768-44CD-AD98-5F5A243C9030}"/>
+              </a:ext>
+            </a:extLst>
+          </p:cNvPr>
+          <p:cNvSpPr txBox="1"/>
+          <p:nvPr/>
+        </p:nvSpPr>
+        <p:spPr>
+          <a:xfrm>
+            <a:off x="3048000" y="990600"/>
+            <a:ext cx="8561705" cy="4147289"/>
+          </a:xfrm>
+          <a:prstGeom prst="rect">
+            <a:avLst/>
+          </a:prstGeom>
+        </p:spPr>
+        <p:txBody>
+          <a:bodyPr vert="horz" wrap="square" lIns="0" tIns="12700" rIns="0" bIns="0" rtlCol="0">
+            <a:spAutoFit/>
+          </a:bodyPr>
+          <a:lstStyle/>
+          <a:p>
+            <a:pPr marL="355600" marR="5080" indent="-342900">
+              <a:spcBef>
+                <a:spcPts val="100"/>
+              </a:spcBef>
+            </a:pPr>
+            <a:r>
+              <a:rPr lang="en-US" sz="1200" b="1" dirty="0">
+                <a:latin typeface="Arial Black" panose="020B0A04020102020204" pitchFamily="34" charset="0"/>
+                <a:cs typeface="Arial"/>
+                <a:hlinkClick r:id="rId2"/>
+              </a:rPr>
+              <a:t>https://www.geeksforgeeks.org/daemon-thread-java/?ref=lbp</a:t>
+            </a:r>
+            <a:endParaRPr lang="en-US" sz="1200" b="1" dirty="0">
+              <a:latin typeface="Arial Black" panose="020B0A04020102020204" pitchFamily="34" charset="0"/>
+              <a:cs typeface="Arial"/>
+            </a:endParaRPr>
+          </a:p>
+          <a:p>
+            <a:pPr marL="355600" marR="5080" indent="-342900">
+              <a:spcBef>
+                <a:spcPts val="100"/>
+              </a:spcBef>
+            </a:pPr>
+            <a:endParaRPr lang="en-US" sz="1200" b="1" dirty="0">
+              <a:latin typeface="Arial Black" panose="020B0A04020102020204" pitchFamily="34" charset="0"/>
+              <a:cs typeface="Arial"/>
+            </a:endParaRPr>
+          </a:p>
+          <a:p>
+            <a:pPr marL="355600" marR="5080" indent="-342900">
+              <a:spcBef>
+                <a:spcPts val="100"/>
+              </a:spcBef>
+            </a:pPr>
+            <a:r>
+              <a:rPr lang="en-US" sz="1200" b="1" dirty="0">
+                <a:latin typeface="Arial Black" panose="020B0A04020102020204" pitchFamily="34" charset="0"/>
+                <a:cs typeface="Arial"/>
+                <a:hlinkClick r:id="rId3"/>
+              </a:rPr>
+              <a:t>http://tutorials.jenkov.com/java-util-concurrent/index.html</a:t>
+            </a:r>
+            <a:endParaRPr lang="en-US" sz="1200" b="1" dirty="0">
+              <a:latin typeface="Arial Black" panose="020B0A04020102020204" pitchFamily="34" charset="0"/>
+              <a:cs typeface="Arial"/>
+            </a:endParaRPr>
+          </a:p>
+          <a:p>
+            <a:pPr marL="355600" marR="5080" indent="-342900">
+              <a:spcBef>
+                <a:spcPts val="100"/>
+              </a:spcBef>
+            </a:pPr>
+            <a:endParaRPr lang="en-US" sz="1200" b="1" dirty="0">
+              <a:latin typeface="Arial Black" panose="020B0A04020102020204" pitchFamily="34" charset="0"/>
+              <a:cs typeface="Arial"/>
+            </a:endParaRPr>
+          </a:p>
+          <a:p>
+            <a:pPr marL="355600" marR="5080" indent="-342900">
+              <a:spcBef>
+                <a:spcPts val="100"/>
+              </a:spcBef>
+            </a:pPr>
+            <a:r>
+              <a:rPr lang="en-US" sz="1200" b="1" dirty="0">
+                <a:latin typeface="Arial Black" panose="020B0A04020102020204" pitchFamily="34" charset="0"/>
+                <a:cs typeface="Arial"/>
+                <a:hlinkClick r:id="rId4"/>
+              </a:rPr>
+              <a:t>https://www.slideshare.net/alexmiller/java-concurrency-idioms</a:t>
+            </a:r>
+            <a:endParaRPr lang="en-US" sz="1200" b="1" dirty="0">
+              <a:latin typeface="Arial Black" panose="020B0A04020102020204" pitchFamily="34" charset="0"/>
+              <a:cs typeface="Arial"/>
+            </a:endParaRPr>
+          </a:p>
+          <a:p>
+            <a:pPr marL="355600" marR="5080" indent="-342900">
+              <a:spcBef>
+                <a:spcPts val="100"/>
+              </a:spcBef>
+            </a:pPr>
+            <a:endParaRPr lang="en-US" sz="1200" b="1" dirty="0">
+              <a:latin typeface="Arial Black" panose="020B0A04020102020204" pitchFamily="34" charset="0"/>
+              <a:cs typeface="Arial"/>
+            </a:endParaRPr>
+          </a:p>
+          <a:p>
+            <a:pPr marL="355600" marR="5080" indent="-342900">
+              <a:spcBef>
+                <a:spcPts val="100"/>
+              </a:spcBef>
+            </a:pPr>
+            <a:endParaRPr lang="en-US" sz="1200" b="1" dirty="0">
+              <a:latin typeface="Arial Black" panose="020B0A04020102020204" pitchFamily="34" charset="0"/>
+              <a:cs typeface="Arial"/>
+            </a:endParaRPr>
+          </a:p>
+          <a:p>
+            <a:pPr marL="355600" marR="5080" indent="-342900">
+              <a:spcBef>
+                <a:spcPts val="100"/>
+              </a:spcBef>
+            </a:pPr>
+            <a:endParaRPr lang="en-US" sz="1200" b="1" dirty="0">
+              <a:latin typeface="Arial Black" panose="020B0A04020102020204" pitchFamily="34" charset="0"/>
+              <a:cs typeface="Arial"/>
+            </a:endParaRPr>
+          </a:p>
+          <a:p>
+            <a:pPr marL="355600" marR="5080" indent="-342900">
+              <a:spcBef>
+                <a:spcPts val="100"/>
+              </a:spcBef>
+            </a:pPr>
+            <a:endParaRPr lang="en-US" sz="1200" b="1" dirty="0">
+              <a:latin typeface="Arial Black" panose="020B0A04020102020204" pitchFamily="34" charset="0"/>
+              <a:cs typeface="Arial"/>
+            </a:endParaRPr>
+          </a:p>
+          <a:p>
+            <a:pPr marL="355600" marR="5080" indent="-342900">
+              <a:spcBef>
+                <a:spcPts val="100"/>
+              </a:spcBef>
+            </a:pPr>
+            <a:endParaRPr lang="en-US" sz="1200" b="1" dirty="0">
+              <a:latin typeface="Arial Black" panose="020B0A04020102020204" pitchFamily="34" charset="0"/>
+              <a:cs typeface="Arial"/>
+            </a:endParaRPr>
+          </a:p>
+          <a:p>
+            <a:pPr marL="355600" marR="5080" indent="-342900">
+              <a:spcBef>
+                <a:spcPts val="100"/>
+              </a:spcBef>
+            </a:pPr>
+            <a:endParaRPr lang="en-US" sz="1200" b="1" dirty="0">
+              <a:latin typeface="Arial Black" panose="020B0A04020102020204" pitchFamily="34" charset="0"/>
+              <a:cs typeface="Arial"/>
+            </a:endParaRPr>
+          </a:p>
+          <a:p>
+            <a:pPr marL="355600" marR="5080" indent="-342900">
+              <a:spcBef>
+                <a:spcPts val="100"/>
+              </a:spcBef>
+            </a:pPr>
+            <a:endParaRPr lang="en-US" sz="1200" b="1" dirty="0">
+              <a:latin typeface="Arial Black" panose="020B0A04020102020204" pitchFamily="34" charset="0"/>
+              <a:cs typeface="Arial"/>
+            </a:endParaRPr>
+          </a:p>
+          <a:p>
+            <a:pPr marL="355600" marR="5080" indent="-342900">
+              <a:spcBef>
+                <a:spcPts val="100"/>
+              </a:spcBef>
+            </a:pPr>
+            <a:endParaRPr lang="en-US" sz="1200" b="1" dirty="0">
+              <a:latin typeface="Arial Black" panose="020B0A04020102020204" pitchFamily="34" charset="0"/>
+              <a:cs typeface="Arial"/>
+            </a:endParaRPr>
+          </a:p>
+          <a:p>
+            <a:pPr marL="355600" marR="5080" indent="-342900">
+              <a:spcBef>
+                <a:spcPts val="100"/>
+              </a:spcBef>
+            </a:pPr>
+            <a:endParaRPr lang="en-US" sz="1200" b="1" dirty="0">
+              <a:latin typeface="Arial Black" panose="020B0A04020102020204" pitchFamily="34" charset="0"/>
+              <a:cs typeface="Arial"/>
+            </a:endParaRPr>
+          </a:p>
+          <a:p>
+            <a:pPr marL="355600" marR="5080" indent="-342900">
+              <a:spcBef>
+                <a:spcPts val="100"/>
+              </a:spcBef>
+            </a:pPr>
+            <a:endParaRPr lang="en-US" sz="1200" b="1" dirty="0">
+              <a:latin typeface="Arial Black" panose="020B0A04020102020204" pitchFamily="34" charset="0"/>
+              <a:cs typeface="Arial"/>
+            </a:endParaRPr>
+          </a:p>
+          <a:p>
+            <a:pPr marL="355600" marR="5080" indent="-342900">
+              <a:spcBef>
+                <a:spcPts val="100"/>
+              </a:spcBef>
+            </a:pPr>
+            <a:endParaRPr lang="en-US" sz="1200" b="1" dirty="0">
+              <a:latin typeface="Arial Black" panose="020B0A04020102020204" pitchFamily="34" charset="0"/>
+              <a:cs typeface="Arial"/>
+            </a:endParaRPr>
+          </a:p>
+          <a:p>
+            <a:pPr marL="355600" marR="5080" indent="-342900">
+              <a:spcBef>
+                <a:spcPts val="100"/>
+              </a:spcBef>
+            </a:pPr>
+            <a:endParaRPr lang="en-US" sz="1200" b="1" dirty="0">
+              <a:latin typeface="Arial Black" panose="020B0A04020102020204" pitchFamily="34" charset="0"/>
+              <a:cs typeface="Arial"/>
+            </a:endParaRPr>
+          </a:p>
+          <a:p>
+            <a:pPr marL="355600" marR="5080" indent="-342900">
+              <a:spcBef>
+                <a:spcPts val="100"/>
+              </a:spcBef>
+            </a:pPr>
+            <a:endParaRPr lang="en-US" sz="1200" b="1" dirty="0">
+              <a:latin typeface="Arial Black" panose="020B0A04020102020204" pitchFamily="34" charset="0"/>
+              <a:cs typeface="Arial"/>
+            </a:endParaRPr>
+          </a:p>
+          <a:p>
+            <a:pPr marL="355600" marR="5080" indent="-342900">
+              <a:spcBef>
+                <a:spcPts val="100"/>
+              </a:spcBef>
+            </a:pPr>
+            <a:endParaRPr lang="en-US" sz="1200" b="1" dirty="0">
+              <a:latin typeface="Arial Black" panose="020B0A04020102020204" pitchFamily="34" charset="0"/>
+              <a:cs typeface="Arial"/>
+            </a:endParaRPr>
+          </a:p>
+          <a:p>
+            <a:pPr marL="355600" marR="5080" indent="-342900">
+              <a:spcBef>
+                <a:spcPts val="100"/>
+              </a:spcBef>
+            </a:pPr>
+            <a:endParaRPr lang="en-US" sz="1200" b="1" dirty="0">
+              <a:latin typeface="Arial Black" panose="020B0A04020102020204" pitchFamily="34" charset="0"/>
+              <a:cs typeface="Arial"/>
+            </a:endParaRPr>
+          </a:p>
+          <a:p>
+            <a:pPr marL="355600" marR="5080" indent="-342900">
+              <a:spcBef>
+                <a:spcPts val="100"/>
+              </a:spcBef>
+            </a:pPr>
+            <a:endParaRPr lang="en-US" sz="1200" b="1" dirty="0">
+              <a:latin typeface="Arial Black" panose="020B0A04020102020204" pitchFamily="34" charset="0"/>
+              <a:cs typeface="Arial"/>
+            </a:endParaRPr>
+          </a:p>
+        </p:txBody>
+      </p:sp>
+    </p:spTree>
+    <p:extLst>
+      <p:ext uri="{BB962C8B-B14F-4D97-AF65-F5344CB8AC3E}">
+        <p14:creationId xmlns:p14="http://schemas.microsoft.com/office/powerpoint/2010/main" val="682994553"/>
+      </p:ext>
+    </p:extLst>
+  </p:cSld>
+  <p:clrMapOvr>
+    <a:masterClrMapping/>
+  </p:clrMapOvr>
 </p:sld>
 </file>
 

--- a/TA7/TA7.pptx
+++ b/TA7/TA7.pptx
@@ -44,9 +44,8 @@
     <p:sldId id="412" r:id="rId38"/>
     <p:sldId id="413" r:id="rId39"/>
     <p:sldId id="414" r:id="rId40"/>
-    <p:sldId id="415" r:id="rId41"/>
-    <p:sldId id="383" r:id="rId42"/>
-    <p:sldId id="366" r:id="rId43"/>
+    <p:sldId id="383" r:id="rId41"/>
+    <p:sldId id="366" r:id="rId42"/>
   </p:sldIdLst>
   <p:sldSz cx="12192000" cy="6858000"/>
   <p:notesSz cx="12192000" cy="6858000"/>
@@ -10660,86 +10659,6 @@
       </p:grpSpPr>
       <p:sp>
         <p:nvSpPr>
-          <p:cNvPr id="2" name="object 2">
-            <a:extLst>
-              <a:ext uri="{FF2B5EF4-FFF2-40B4-BE49-F238E27FC236}">
-                <a16:creationId xmlns:a16="http://schemas.microsoft.com/office/drawing/2014/main" id="{A81538B3-8C1D-BEA3-693B-5ECE5936A463}"/>
-              </a:ext>
-            </a:extLst>
-          </p:cNvPr>
-          <p:cNvSpPr txBox="1"/>
-          <p:nvPr/>
-        </p:nvSpPr>
-        <p:spPr>
-          <a:xfrm>
-            <a:off x="2895600" y="184666"/>
-            <a:ext cx="10210800" cy="566822"/>
-          </a:xfrm>
-          <a:prstGeom prst="rect">
-            <a:avLst/>
-          </a:prstGeom>
-        </p:spPr>
-        <p:txBody>
-          <a:bodyPr vert="horz" wrap="square" lIns="0" tIns="12700" rIns="0" bIns="0" rtlCol="0">
-            <a:spAutoFit/>
-          </a:bodyPr>
-          <a:lstStyle/>
-          <a:p>
-            <a:pPr marL="12700">
-              <a:lnSpc>
-                <a:spcPct val="100000"/>
-              </a:lnSpc>
-              <a:spcBef>
-                <a:spcPts val="100"/>
-              </a:spcBef>
-            </a:pPr>
-            <a:r>
-              <a:rPr lang="en-US" sz="3600" dirty="0">
-                <a:solidFill>
-                  <a:schemeClr val="accent1">
-                    <a:lumMod val="75000"/>
-                  </a:schemeClr>
-                </a:solidFill>
-                <a:latin typeface="Trebuchet MS"/>
-                <a:cs typeface="Trebuchet MS"/>
-              </a:rPr>
-              <a:t>Volatile keyword</a:t>
-            </a:r>
-          </a:p>
-        </p:txBody>
-      </p:sp>
-    </p:spTree>
-    <p:extLst>
-      <p:ext uri="{BB962C8B-B14F-4D97-AF65-F5344CB8AC3E}">
-        <p14:creationId xmlns:p14="http://schemas.microsoft.com/office/powerpoint/2010/main" val="2010003427"/>
-      </p:ext>
-    </p:extLst>
-  </p:cSld>
-  <p:clrMapOvr>
-    <a:masterClrMapping/>
-  </p:clrMapOvr>
-</p:sld>
-</file>
-
-<file path=ppt/slides/slide41.xml><?xml version="1.0" encoding="utf-8"?>
-<p:sld xmlns:a="http://schemas.openxmlformats.org/drawingml/2006/main" xmlns:r="http://schemas.openxmlformats.org/officeDocument/2006/relationships" xmlns:p="http://schemas.openxmlformats.org/presentationml/2006/main">
-  <p:cSld>
-    <p:spTree>
-      <p:nvGrpSpPr>
-        <p:cNvPr id="1" name=""/>
-        <p:cNvGrpSpPr/>
-        <p:nvPr/>
-      </p:nvGrpSpPr>
-      <p:grpSpPr>
-        <a:xfrm>
-          <a:off x="0" y="0"/>
-          <a:ext cx="0" cy="0"/>
-          <a:chOff x="0" y="0"/>
-          <a:chExt cx="0" cy="0"/>
-        </a:xfrm>
-      </p:grpSpPr>
-      <p:sp>
-        <p:nvSpPr>
           <p:cNvPr id="2" name="object 2"/>
           <p:cNvSpPr txBox="1"/>
           <p:nvPr/>
@@ -11829,7 +11748,7 @@
 </p:sld>
 </file>
 
-<file path=ppt/slides/slide42.xml><?xml version="1.0" encoding="utf-8"?>
+<file path=ppt/slides/slide41.xml><?xml version="1.0" encoding="utf-8"?>
 <p:sld xmlns:a="http://schemas.openxmlformats.org/drawingml/2006/main" xmlns:r="http://schemas.openxmlformats.org/officeDocument/2006/relationships" xmlns:p="http://schemas.openxmlformats.org/presentationml/2006/main">
   <p:cSld>
     <p:spTree>
